--- a/Presentation/Feedback_Presentation.pptx
+++ b/Presentation/Feedback_Presentation.pptx
@@ -234,7 +234,7 @@
           <a:p>
             <a:fld id="{EB96F088-1723-4EBA-B4C2-F6F3CE1F72AD}" type="datetimeFigureOut">
               <a:rPr lang="en-US" smtClean="0"/>
-              <a:t>5/10/2023</a:t>
+              <a:t>10-May-23</a:t>
             </a:fld>
             <a:endParaRPr lang="en-US"/>
           </a:p>
@@ -424,7 +424,7 @@
           <a:p>
             <a:fld id="{824F98EE-B85B-4441-9FE0-1A85F53FB108}" type="datetimeFigureOut">
               <a:rPr lang="en-US" smtClean="0"/>
-              <a:t>5/10/2023</a:t>
+              <a:t>10-May-23</a:t>
             </a:fld>
             <a:endParaRPr lang="en-US"/>
           </a:p>
@@ -940,7 +940,7 @@
           <a:p>
             <a:fld id="{4947A2F4-0CC5-4824-99E8-C7A53C3045FC}" type="slidenum">
               <a:rPr lang="en-US" smtClean="0"/>
-              <a:t>12</a:t>
+              <a:t>10</a:t>
             </a:fld>
             <a:endParaRPr lang="en-US"/>
           </a:p>
@@ -949,7 +949,7 @@
     </p:spTree>
     <p:extLst>
       <p:ext uri="{BB962C8B-B14F-4D97-AF65-F5344CB8AC3E}">
-        <p14:creationId xmlns:p14="http://schemas.microsoft.com/office/powerpoint/2010/main" val="1541247183"/>
+        <p14:creationId xmlns:p14="http://schemas.microsoft.com/office/powerpoint/2010/main" val="925913732"/>
       </p:ext>
     </p:extLst>
   </p:cSld>
@@ -1068,7 +1068,7 @@
           <a:p>
             <a:fld id="{4947A2F4-0CC5-4824-99E8-C7A53C3045FC}" type="slidenum">
               <a:rPr lang="en-US" smtClean="0"/>
-              <a:t>13</a:t>
+              <a:t>11</a:t>
             </a:fld>
             <a:endParaRPr lang="en-US"/>
           </a:p>
@@ -1077,7 +1077,7 @@
     </p:spTree>
     <p:extLst>
       <p:ext uri="{BB962C8B-B14F-4D97-AF65-F5344CB8AC3E}">
-        <p14:creationId xmlns:p14="http://schemas.microsoft.com/office/powerpoint/2010/main" val="3120912324"/>
+        <p14:creationId xmlns:p14="http://schemas.microsoft.com/office/powerpoint/2010/main" val="4275072134"/>
       </p:ext>
     </p:extLst>
   </p:cSld>
@@ -1196,7 +1196,7 @@
           <a:p>
             <a:fld id="{4947A2F4-0CC5-4824-99E8-C7A53C3045FC}" type="slidenum">
               <a:rPr lang="en-US" smtClean="0"/>
-              <a:t>14</a:t>
+              <a:t>12</a:t>
             </a:fld>
             <a:endParaRPr lang="en-US"/>
           </a:p>
@@ -1205,7 +1205,7 @@
     </p:spTree>
     <p:extLst>
       <p:ext uri="{BB962C8B-B14F-4D97-AF65-F5344CB8AC3E}">
-        <p14:creationId xmlns:p14="http://schemas.microsoft.com/office/powerpoint/2010/main" val="745898518"/>
+        <p14:creationId xmlns:p14="http://schemas.microsoft.com/office/powerpoint/2010/main" val="1541247183"/>
       </p:ext>
     </p:extLst>
   </p:cSld>
@@ -1324,7 +1324,7 @@
           <a:p>
             <a:fld id="{4947A2F4-0CC5-4824-99E8-C7A53C3045FC}" type="slidenum">
               <a:rPr lang="en-US" smtClean="0"/>
-              <a:t>15</a:t>
+              <a:t>13</a:t>
             </a:fld>
             <a:endParaRPr lang="en-US"/>
           </a:p>
@@ -1333,7 +1333,7 @@
     </p:spTree>
     <p:extLst>
       <p:ext uri="{BB962C8B-B14F-4D97-AF65-F5344CB8AC3E}">
-        <p14:creationId xmlns:p14="http://schemas.microsoft.com/office/powerpoint/2010/main" val="2209792592"/>
+        <p14:creationId xmlns:p14="http://schemas.microsoft.com/office/powerpoint/2010/main" val="3120912324"/>
       </p:ext>
     </p:extLst>
   </p:cSld>
@@ -1452,7 +1452,7 @@
           <a:p>
             <a:fld id="{4947A2F4-0CC5-4824-99E8-C7A53C3045FC}" type="slidenum">
               <a:rPr lang="en-US" smtClean="0"/>
-              <a:t>16</a:t>
+              <a:t>14</a:t>
             </a:fld>
             <a:endParaRPr lang="en-US"/>
           </a:p>
@@ -1461,7 +1461,7 @@
     </p:spTree>
     <p:extLst>
       <p:ext uri="{BB962C8B-B14F-4D97-AF65-F5344CB8AC3E}">
-        <p14:creationId xmlns:p14="http://schemas.microsoft.com/office/powerpoint/2010/main" val="2429719770"/>
+        <p14:creationId xmlns:p14="http://schemas.microsoft.com/office/powerpoint/2010/main" val="745898518"/>
       </p:ext>
     </p:extLst>
   </p:cSld>
@@ -1580,7 +1580,7 @@
           <a:p>
             <a:fld id="{4947A2F4-0CC5-4824-99E8-C7A53C3045FC}" type="slidenum">
               <a:rPr lang="en-US" smtClean="0"/>
-              <a:t>17</a:t>
+              <a:t>15</a:t>
             </a:fld>
             <a:endParaRPr lang="en-US"/>
           </a:p>
@@ -1589,7 +1589,7 @@
     </p:spTree>
     <p:extLst>
       <p:ext uri="{BB962C8B-B14F-4D97-AF65-F5344CB8AC3E}">
-        <p14:creationId xmlns:p14="http://schemas.microsoft.com/office/powerpoint/2010/main" val="3153514329"/>
+        <p14:creationId xmlns:p14="http://schemas.microsoft.com/office/powerpoint/2010/main" val="2209792592"/>
       </p:ext>
     </p:extLst>
   </p:cSld>
@@ -1708,7 +1708,7 @@
           <a:p>
             <a:fld id="{4947A2F4-0CC5-4824-99E8-C7A53C3045FC}" type="slidenum">
               <a:rPr lang="en-US" smtClean="0"/>
-              <a:t>18</a:t>
+              <a:t>16</a:t>
             </a:fld>
             <a:endParaRPr lang="en-US"/>
           </a:p>
@@ -1717,7 +1717,7 @@
     </p:spTree>
     <p:extLst>
       <p:ext uri="{BB962C8B-B14F-4D97-AF65-F5344CB8AC3E}">
-        <p14:creationId xmlns:p14="http://schemas.microsoft.com/office/powerpoint/2010/main" val="488750211"/>
+        <p14:creationId xmlns:p14="http://schemas.microsoft.com/office/powerpoint/2010/main" val="2429719770"/>
       </p:ext>
     </p:extLst>
   </p:cSld>
@@ -1836,7 +1836,7 @@
           <a:p>
             <a:fld id="{4947A2F4-0CC5-4824-99E8-C7A53C3045FC}" type="slidenum">
               <a:rPr lang="en-US" smtClean="0"/>
-              <a:t>19</a:t>
+              <a:t>17</a:t>
             </a:fld>
             <a:endParaRPr lang="en-US"/>
           </a:p>
@@ -1845,7 +1845,7 @@
     </p:spTree>
     <p:extLst>
       <p:ext uri="{BB962C8B-B14F-4D97-AF65-F5344CB8AC3E}">
-        <p14:creationId xmlns:p14="http://schemas.microsoft.com/office/powerpoint/2010/main" val="1915516991"/>
+        <p14:creationId xmlns:p14="http://schemas.microsoft.com/office/powerpoint/2010/main" val="3153514329"/>
       </p:ext>
     </p:extLst>
   </p:cSld>
@@ -1964,7 +1964,7 @@
           <a:p>
             <a:fld id="{4947A2F4-0CC5-4824-99E8-C7A53C3045FC}" type="slidenum">
               <a:rPr lang="en-US" smtClean="0"/>
-              <a:t>20</a:t>
+              <a:t>18</a:t>
             </a:fld>
             <a:endParaRPr lang="en-US"/>
           </a:p>
@@ -1973,7 +1973,7 @@
     </p:spTree>
     <p:extLst>
       <p:ext uri="{BB962C8B-B14F-4D97-AF65-F5344CB8AC3E}">
-        <p14:creationId xmlns:p14="http://schemas.microsoft.com/office/powerpoint/2010/main" val="1799366742"/>
+        <p14:creationId xmlns:p14="http://schemas.microsoft.com/office/powerpoint/2010/main" val="488750211"/>
       </p:ext>
     </p:extLst>
   </p:cSld>
@@ -2092,7 +2092,7 @@
           <a:p>
             <a:fld id="{4947A2F4-0CC5-4824-99E8-C7A53C3045FC}" type="slidenum">
               <a:rPr lang="en-US" smtClean="0"/>
-              <a:t>21</a:t>
+              <a:t>19</a:t>
             </a:fld>
             <a:endParaRPr lang="en-US"/>
           </a:p>
@@ -2101,7 +2101,7 @@
     </p:spTree>
     <p:extLst>
       <p:ext uri="{BB962C8B-B14F-4D97-AF65-F5344CB8AC3E}">
-        <p14:creationId xmlns:p14="http://schemas.microsoft.com/office/powerpoint/2010/main" val="3991688987"/>
+        <p14:creationId xmlns:p14="http://schemas.microsoft.com/office/powerpoint/2010/main" val="1915516991"/>
       </p:ext>
     </p:extLst>
   </p:cSld>
@@ -2348,6 +2348,262 @@
           <a:p>
             <a:fld id="{4947A2F4-0CC5-4824-99E8-C7A53C3045FC}" type="slidenum">
               <a:rPr lang="en-US" smtClean="0"/>
+              <a:t>20</a:t>
+            </a:fld>
+            <a:endParaRPr lang="en-US"/>
+          </a:p>
+        </p:txBody>
+      </p:sp>
+    </p:spTree>
+    <p:extLst>
+      <p:ext uri="{BB962C8B-B14F-4D97-AF65-F5344CB8AC3E}">
+        <p14:creationId xmlns:p14="http://schemas.microsoft.com/office/powerpoint/2010/main" val="1799366742"/>
+      </p:ext>
+    </p:extLst>
+  </p:cSld>
+  <p:clrMapOvr>
+    <a:masterClrMapping/>
+  </p:clrMapOvr>
+</p:notes>
+</file>
+
+<file path=ppt/notesSlides/notesSlide21.xml><?xml version="1.0" encoding="utf-8"?>
+<p:notes xmlns:a="http://schemas.openxmlformats.org/drawingml/2006/main" xmlns:r="http://schemas.openxmlformats.org/officeDocument/2006/relationships" xmlns:p="http://schemas.openxmlformats.org/presentationml/2006/main">
+  <p:cSld>
+    <p:spTree>
+      <p:nvGrpSpPr>
+        <p:cNvPr id="1" name=""/>
+        <p:cNvGrpSpPr/>
+        <p:nvPr/>
+      </p:nvGrpSpPr>
+      <p:grpSpPr>
+        <a:xfrm>
+          <a:off x="0" y="0"/>
+          <a:ext cx="0" cy="0"/>
+          <a:chOff x="0" y="0"/>
+          <a:chExt cx="0" cy="0"/>
+        </a:xfrm>
+      </p:grpSpPr>
+      <p:sp>
+        <p:nvSpPr>
+          <p:cNvPr id="2" name="Slide Image Placeholder 1"/>
+          <p:cNvSpPr>
+            <a:spLocks noGrp="1" noRot="1" noChangeAspect="1"/>
+          </p:cNvSpPr>
+          <p:nvPr>
+            <p:ph type="sldImg"/>
+          </p:nvPr>
+        </p:nvSpPr>
+        <p:spPr/>
+      </p:sp>
+      <p:sp>
+        <p:nvSpPr>
+          <p:cNvPr id="3" name="Notes Placeholder 2"/>
+          <p:cNvSpPr>
+            <a:spLocks noGrp="1"/>
+          </p:cNvSpPr>
+          <p:nvPr>
+            <p:ph type="body" idx="1"/>
+          </p:nvPr>
+        </p:nvSpPr>
+        <p:spPr/>
+        <p:txBody>
+          <a:bodyPr/>
+          <a:lstStyle/>
+          <a:p>
+            <a:endParaRPr lang="en-US"/>
+          </a:p>
+        </p:txBody>
+      </p:sp>
+      <p:sp>
+        <p:nvSpPr>
+          <p:cNvPr id="4" name="Header Placeholder 3"/>
+          <p:cNvSpPr>
+            <a:spLocks noGrp="1"/>
+          </p:cNvSpPr>
+          <p:nvPr>
+            <p:ph type="hdr" sz="quarter"/>
+          </p:nvPr>
+        </p:nvSpPr>
+        <p:spPr/>
+        <p:txBody>
+          <a:bodyPr/>
+          <a:lstStyle/>
+          <a:p>
+            <a:endParaRPr lang="en-US"/>
+          </a:p>
+        </p:txBody>
+      </p:sp>
+      <p:sp>
+        <p:nvSpPr>
+          <p:cNvPr id="5" name="Footer Placeholder 4"/>
+          <p:cNvSpPr>
+            <a:spLocks noGrp="1"/>
+          </p:cNvSpPr>
+          <p:nvPr>
+            <p:ph type="ftr" sz="quarter" idx="4"/>
+            <p:custDataLst>
+              <p:tags r:id="rId1"/>
+            </p:custDataLst>
+          </p:nvPr>
+        </p:nvSpPr>
+        <p:spPr/>
+        <p:txBody>
+          <a:bodyPr/>
+          <a:lstStyle/>
+          <a:p>
+            <a:r>
+              <a:rPr lang="en-US"/>
+              <a:t>GENEL(PUBLIC)</a:t>
+            </a:r>
+          </a:p>
+        </p:txBody>
+      </p:sp>
+      <p:sp>
+        <p:nvSpPr>
+          <p:cNvPr id="6" name="Slide Number Placeholder 5"/>
+          <p:cNvSpPr>
+            <a:spLocks noGrp="1"/>
+          </p:cNvSpPr>
+          <p:nvPr>
+            <p:ph type="sldNum" sz="quarter" idx="5"/>
+          </p:nvPr>
+        </p:nvSpPr>
+        <p:spPr/>
+        <p:txBody>
+          <a:bodyPr/>
+          <a:lstStyle/>
+          <a:p>
+            <a:fld id="{4947A2F4-0CC5-4824-99E8-C7A53C3045FC}" type="slidenum">
+              <a:rPr lang="en-US" smtClean="0"/>
+              <a:t>21</a:t>
+            </a:fld>
+            <a:endParaRPr lang="en-US"/>
+          </a:p>
+        </p:txBody>
+      </p:sp>
+    </p:spTree>
+    <p:extLst>
+      <p:ext uri="{BB962C8B-B14F-4D97-AF65-F5344CB8AC3E}">
+        <p14:creationId xmlns:p14="http://schemas.microsoft.com/office/powerpoint/2010/main" val="3991688987"/>
+      </p:ext>
+    </p:extLst>
+  </p:cSld>
+  <p:clrMapOvr>
+    <a:masterClrMapping/>
+  </p:clrMapOvr>
+</p:notes>
+</file>
+
+<file path=ppt/notesSlides/notesSlide22.xml><?xml version="1.0" encoding="utf-8"?>
+<p:notes xmlns:a="http://schemas.openxmlformats.org/drawingml/2006/main" xmlns:r="http://schemas.openxmlformats.org/officeDocument/2006/relationships" xmlns:p="http://schemas.openxmlformats.org/presentationml/2006/main">
+  <p:cSld>
+    <p:spTree>
+      <p:nvGrpSpPr>
+        <p:cNvPr id="1" name=""/>
+        <p:cNvGrpSpPr/>
+        <p:nvPr/>
+      </p:nvGrpSpPr>
+      <p:grpSpPr>
+        <a:xfrm>
+          <a:off x="0" y="0"/>
+          <a:ext cx="0" cy="0"/>
+          <a:chOff x="0" y="0"/>
+          <a:chExt cx="0" cy="0"/>
+        </a:xfrm>
+      </p:grpSpPr>
+      <p:sp>
+        <p:nvSpPr>
+          <p:cNvPr id="2" name="Slide Image Placeholder 1"/>
+          <p:cNvSpPr>
+            <a:spLocks noGrp="1" noRot="1" noChangeAspect="1"/>
+          </p:cNvSpPr>
+          <p:nvPr>
+            <p:ph type="sldImg"/>
+          </p:nvPr>
+        </p:nvSpPr>
+        <p:spPr/>
+      </p:sp>
+      <p:sp>
+        <p:nvSpPr>
+          <p:cNvPr id="3" name="Notes Placeholder 2"/>
+          <p:cNvSpPr>
+            <a:spLocks noGrp="1"/>
+          </p:cNvSpPr>
+          <p:nvPr>
+            <p:ph type="body" idx="1"/>
+          </p:nvPr>
+        </p:nvSpPr>
+        <p:spPr/>
+        <p:txBody>
+          <a:bodyPr/>
+          <a:lstStyle/>
+          <a:p>
+            <a:endParaRPr lang="en-US"/>
+          </a:p>
+        </p:txBody>
+      </p:sp>
+      <p:sp>
+        <p:nvSpPr>
+          <p:cNvPr id="4" name="Header Placeholder 3"/>
+          <p:cNvSpPr>
+            <a:spLocks noGrp="1"/>
+          </p:cNvSpPr>
+          <p:nvPr>
+            <p:ph type="hdr" sz="quarter"/>
+          </p:nvPr>
+        </p:nvSpPr>
+        <p:spPr/>
+        <p:txBody>
+          <a:bodyPr/>
+          <a:lstStyle/>
+          <a:p>
+            <a:endParaRPr lang="en-US"/>
+          </a:p>
+        </p:txBody>
+      </p:sp>
+      <p:sp>
+        <p:nvSpPr>
+          <p:cNvPr id="5" name="Footer Placeholder 4"/>
+          <p:cNvSpPr>
+            <a:spLocks noGrp="1"/>
+          </p:cNvSpPr>
+          <p:nvPr>
+            <p:ph type="ftr" sz="quarter" idx="4"/>
+            <p:custDataLst>
+              <p:tags r:id="rId1"/>
+            </p:custDataLst>
+          </p:nvPr>
+        </p:nvSpPr>
+        <p:spPr/>
+        <p:txBody>
+          <a:bodyPr/>
+          <a:lstStyle/>
+          <a:p>
+            <a:r>
+              <a:rPr lang="en-US"/>
+              <a:t>GENEL(PUBLIC)</a:t>
+            </a:r>
+          </a:p>
+        </p:txBody>
+      </p:sp>
+      <p:sp>
+        <p:nvSpPr>
+          <p:cNvPr id="6" name="Slide Number Placeholder 5"/>
+          <p:cNvSpPr>
+            <a:spLocks noGrp="1"/>
+          </p:cNvSpPr>
+          <p:nvPr>
+            <p:ph type="sldNum" sz="quarter" idx="5"/>
+          </p:nvPr>
+        </p:nvSpPr>
+        <p:spPr/>
+        <p:txBody>
+          <a:bodyPr/>
+          <a:lstStyle/>
+          <a:p>
+            <a:fld id="{4947A2F4-0CC5-4824-99E8-C7A53C3045FC}" type="slidenum">
+              <a:rPr lang="en-US" smtClean="0"/>
               <a:t>22</a:t>
             </a:fld>
             <a:endParaRPr lang="en-US"/>
@@ -2367,7 +2623,7 @@
 </p:notes>
 </file>
 
-<file path=ppt/notesSlides/notesSlide21.xml><?xml version="1.0" encoding="utf-8"?>
+<file path=ppt/notesSlides/notesSlide23.xml><?xml version="1.0" encoding="utf-8"?>
 <p:notes xmlns:a="http://schemas.openxmlformats.org/drawingml/2006/main" xmlns:r="http://schemas.openxmlformats.org/officeDocument/2006/relationships" xmlns:p="http://schemas.openxmlformats.org/presentationml/2006/main">
   <p:cSld>
     <p:spTree>
@@ -2732,7 +2988,7 @@
           <a:p>
             <a:fld id="{4947A2F4-0CC5-4824-99E8-C7A53C3045FC}" type="slidenum">
               <a:rPr lang="en-US" smtClean="0"/>
-              <a:t>6</a:t>
+              <a:t>4</a:t>
             </a:fld>
             <a:endParaRPr lang="en-US"/>
           </a:p>
@@ -2741,7 +2997,7 @@
     </p:spTree>
     <p:extLst>
       <p:ext uri="{BB962C8B-B14F-4D97-AF65-F5344CB8AC3E}">
-        <p14:creationId xmlns:p14="http://schemas.microsoft.com/office/powerpoint/2010/main" val="1240742537"/>
+        <p14:creationId xmlns:p14="http://schemas.microsoft.com/office/powerpoint/2010/main" val="1354680512"/>
       </p:ext>
     </p:extLst>
   </p:cSld>
@@ -2860,7 +3116,7 @@
           <a:p>
             <a:fld id="{4947A2F4-0CC5-4824-99E8-C7A53C3045FC}" type="slidenum">
               <a:rPr lang="en-US" smtClean="0"/>
-              <a:t>7</a:t>
+              <a:t>5</a:t>
             </a:fld>
             <a:endParaRPr lang="en-US"/>
           </a:p>
@@ -2869,7 +3125,7 @@
     </p:spTree>
     <p:extLst>
       <p:ext uri="{BB962C8B-B14F-4D97-AF65-F5344CB8AC3E}">
-        <p14:creationId xmlns:p14="http://schemas.microsoft.com/office/powerpoint/2010/main" val="2789898075"/>
+        <p14:creationId xmlns:p14="http://schemas.microsoft.com/office/powerpoint/2010/main" val="2049917139"/>
       </p:ext>
     </p:extLst>
   </p:cSld>
@@ -2988,7 +3244,7 @@
           <a:p>
             <a:fld id="{4947A2F4-0CC5-4824-99E8-C7A53C3045FC}" type="slidenum">
               <a:rPr lang="en-US" smtClean="0"/>
-              <a:t>8</a:t>
+              <a:t>6</a:t>
             </a:fld>
             <a:endParaRPr lang="en-US"/>
           </a:p>
@@ -2997,7 +3253,7 @@
     </p:spTree>
     <p:extLst>
       <p:ext uri="{BB962C8B-B14F-4D97-AF65-F5344CB8AC3E}">
-        <p14:creationId xmlns:p14="http://schemas.microsoft.com/office/powerpoint/2010/main" val="624141495"/>
+        <p14:creationId xmlns:p14="http://schemas.microsoft.com/office/powerpoint/2010/main" val="1240742537"/>
       </p:ext>
     </p:extLst>
   </p:cSld>
@@ -3116,7 +3372,7 @@
           <a:p>
             <a:fld id="{4947A2F4-0CC5-4824-99E8-C7A53C3045FC}" type="slidenum">
               <a:rPr lang="en-US" smtClean="0"/>
-              <a:t>9</a:t>
+              <a:t>7</a:t>
             </a:fld>
             <a:endParaRPr lang="en-US"/>
           </a:p>
@@ -3125,7 +3381,7 @@
     </p:spTree>
     <p:extLst>
       <p:ext uri="{BB962C8B-B14F-4D97-AF65-F5344CB8AC3E}">
-        <p14:creationId xmlns:p14="http://schemas.microsoft.com/office/powerpoint/2010/main" val="2638767143"/>
+        <p14:creationId xmlns:p14="http://schemas.microsoft.com/office/powerpoint/2010/main" val="2789898075"/>
       </p:ext>
     </p:extLst>
   </p:cSld>
@@ -3244,7 +3500,7 @@
           <a:p>
             <a:fld id="{4947A2F4-0CC5-4824-99E8-C7A53C3045FC}" type="slidenum">
               <a:rPr lang="en-US" smtClean="0"/>
-              <a:t>10</a:t>
+              <a:t>8</a:t>
             </a:fld>
             <a:endParaRPr lang="en-US"/>
           </a:p>
@@ -3253,7 +3509,7 @@
     </p:spTree>
     <p:extLst>
       <p:ext uri="{BB962C8B-B14F-4D97-AF65-F5344CB8AC3E}">
-        <p14:creationId xmlns:p14="http://schemas.microsoft.com/office/powerpoint/2010/main" val="925913732"/>
+        <p14:creationId xmlns:p14="http://schemas.microsoft.com/office/powerpoint/2010/main" val="624141495"/>
       </p:ext>
     </p:extLst>
   </p:cSld>
@@ -3372,7 +3628,7 @@
           <a:p>
             <a:fld id="{4947A2F4-0CC5-4824-99E8-C7A53C3045FC}" type="slidenum">
               <a:rPr lang="en-US" smtClean="0"/>
-              <a:t>11</a:t>
+              <a:t>9</a:t>
             </a:fld>
             <a:endParaRPr lang="en-US"/>
           </a:p>
@@ -3381,7 +3637,7 @@
     </p:spTree>
     <p:extLst>
       <p:ext uri="{BB962C8B-B14F-4D97-AF65-F5344CB8AC3E}">
-        <p14:creationId xmlns:p14="http://schemas.microsoft.com/office/powerpoint/2010/main" val="4275072134"/>
+        <p14:creationId xmlns:p14="http://schemas.microsoft.com/office/powerpoint/2010/main" val="2638767143"/>
       </p:ext>
     </p:extLst>
   </p:cSld>
@@ -3538,7 +3794,7 @@
           <a:p>
             <a:fld id="{38B2EEB4-0E35-4EF1-92DC-B22E6CA2CA1E}" type="datetimeFigureOut">
               <a:rPr lang="en-US" smtClean="0"/>
-              <a:t>5/10/2023</a:t>
+              <a:t>10-May-23</a:t>
             </a:fld>
             <a:endParaRPr lang="en-US"/>
           </a:p>
@@ -3750,7 +4006,7 @@
           <a:p>
             <a:fld id="{38B2EEB4-0E35-4EF1-92DC-B22E6CA2CA1E}" type="datetimeFigureOut">
               <a:rPr lang="en-US" smtClean="0"/>
-              <a:t>5/10/2023</a:t>
+              <a:t>10-May-23</a:t>
             </a:fld>
             <a:endParaRPr lang="en-US"/>
           </a:p>
@@ -3958,7 +4214,7 @@
           <a:p>
             <a:fld id="{38B2EEB4-0E35-4EF1-92DC-B22E6CA2CA1E}" type="datetimeFigureOut">
               <a:rPr lang="en-US" smtClean="0"/>
-              <a:t>5/10/2023</a:t>
+              <a:t>10-May-23</a:t>
             </a:fld>
             <a:endParaRPr lang="en-US"/>
           </a:p>
@@ -4156,7 +4412,7 @@
           <a:p>
             <a:fld id="{38B2EEB4-0E35-4EF1-92DC-B22E6CA2CA1E}" type="datetimeFigureOut">
               <a:rPr lang="en-US" smtClean="0"/>
-              <a:t>5/10/2023</a:t>
+              <a:t>10-May-23</a:t>
             </a:fld>
             <a:endParaRPr lang="en-US"/>
           </a:p>
@@ -4445,7 +4701,7 @@
           <a:p>
             <a:fld id="{38B2EEB4-0E35-4EF1-92DC-B22E6CA2CA1E}" type="datetimeFigureOut">
               <a:rPr lang="en-US" smtClean="0"/>
-              <a:t>5/10/2023</a:t>
+              <a:t>10-May-23</a:t>
             </a:fld>
             <a:endParaRPr lang="en-US"/>
           </a:p>
@@ -4710,7 +4966,7 @@
           <a:p>
             <a:fld id="{38B2EEB4-0E35-4EF1-92DC-B22E6CA2CA1E}" type="datetimeFigureOut">
               <a:rPr lang="en-US" smtClean="0"/>
-              <a:t>5/10/2023</a:t>
+              <a:t>10-May-23</a:t>
             </a:fld>
             <a:endParaRPr lang="en-US"/>
           </a:p>
@@ -5122,7 +5378,7 @@
           <a:p>
             <a:fld id="{38B2EEB4-0E35-4EF1-92DC-B22E6CA2CA1E}" type="datetimeFigureOut">
               <a:rPr lang="en-US" smtClean="0"/>
-              <a:t>5/10/2023</a:t>
+              <a:t>10-May-23</a:t>
             </a:fld>
             <a:endParaRPr lang="en-US"/>
           </a:p>
@@ -5263,7 +5519,7 @@
           <a:p>
             <a:fld id="{38B2EEB4-0E35-4EF1-92DC-B22E6CA2CA1E}" type="datetimeFigureOut">
               <a:rPr lang="en-US" smtClean="0"/>
-              <a:t>5/10/2023</a:t>
+              <a:t>10-May-23</a:t>
             </a:fld>
             <a:endParaRPr lang="en-US"/>
           </a:p>
@@ -5376,7 +5632,7 @@
           <a:p>
             <a:fld id="{38B2EEB4-0E35-4EF1-92DC-B22E6CA2CA1E}" type="datetimeFigureOut">
               <a:rPr lang="en-US" smtClean="0"/>
-              <a:t>5/10/2023</a:t>
+              <a:t>10-May-23</a:t>
             </a:fld>
             <a:endParaRPr lang="en-US"/>
           </a:p>
@@ -5687,7 +5943,7 @@
           <a:p>
             <a:fld id="{38B2EEB4-0E35-4EF1-92DC-B22E6CA2CA1E}" type="datetimeFigureOut">
               <a:rPr lang="en-US" smtClean="0"/>
-              <a:t>5/10/2023</a:t>
+              <a:t>10-May-23</a:t>
             </a:fld>
             <a:endParaRPr lang="en-US"/>
           </a:p>
@@ -5975,7 +6231,7 @@
           <a:p>
             <a:fld id="{38B2EEB4-0E35-4EF1-92DC-B22E6CA2CA1E}" type="datetimeFigureOut">
               <a:rPr lang="en-US" smtClean="0"/>
-              <a:t>5/10/2023</a:t>
+              <a:t>10-May-23</a:t>
             </a:fld>
             <a:endParaRPr lang="en-US"/>
           </a:p>
@@ -6216,7 +6472,7 @@
           <a:p>
             <a:fld id="{38B2EEB4-0E35-4EF1-92DC-B22E6CA2CA1E}" type="datetimeFigureOut">
               <a:rPr lang="en-US" smtClean="0"/>
-              <a:t>5/10/2023</a:t>
+              <a:t>10-May-23</a:t>
             </a:fld>
             <a:endParaRPr lang="en-US"/>
           </a:p>
@@ -6738,10 +6994,10 @@
       </p:sp>
       <p:sp>
         <p:nvSpPr>
-          <p:cNvPr id="25" name="Footer Placeholder 24">
+          <p:cNvPr id="6" name="Footer Placeholder 5">
             <a:extLst>
               <a:ext uri="{FF2B5EF4-FFF2-40B4-BE49-F238E27FC236}">
-                <a16:creationId xmlns:a16="http://schemas.microsoft.com/office/drawing/2014/main" id="{E4258E06-4CB8-F177-8E1D-7DE49E8644C5}"/>
+                <a16:creationId xmlns:a16="http://schemas.microsoft.com/office/drawing/2014/main" id="{1A6E2863-AF59-0910-F39F-E5D2AB20F033}"/>
               </a:ext>
             </a:extLst>
           </p:cNvPr>
@@ -7842,10 +8098,10 @@
       </p:graphicFrame>
       <p:sp>
         <p:nvSpPr>
-          <p:cNvPr id="16" name="Footer Placeholder 15">
+          <p:cNvPr id="6" name="Footer Placeholder 5">
             <a:extLst>
               <a:ext uri="{FF2B5EF4-FFF2-40B4-BE49-F238E27FC236}">
-                <a16:creationId xmlns:a16="http://schemas.microsoft.com/office/drawing/2014/main" id="{0634450B-8E39-0510-C69A-2F0636197830}"/>
+                <a16:creationId xmlns:a16="http://schemas.microsoft.com/office/drawing/2014/main" id="{B35E9856-D41B-1155-EE92-6D598C060E25}"/>
               </a:ext>
             </a:extLst>
           </p:cNvPr>
@@ -7929,8 +8185,8 @@
           </a:p>
         </p:txBody>
       </p:sp>
-      <mc:AlternateContent xmlns:mc="http://schemas.openxmlformats.org/markup-compatibility/2006" xmlns:a14="http://schemas.microsoft.com/office/drawing/2010/main">
-        <mc:Choice Requires="a14">
+      <mc:AlternateContent xmlns:mc="http://schemas.openxmlformats.org/markup-compatibility/2006">
+        <mc:Choice xmlns:a14="http://schemas.microsoft.com/office/drawing/2010/main" Requires="a14">
           <p:sp>
             <p:nvSpPr>
               <p:cNvPr id="3" name="Content Placeholder 2">
@@ -7953,7 +8209,7 @@
               <a:lstStyle/>
               <a:p>
                 <a:r>
-                  <a:rPr lang="en-US" dirty="0"/>
+                  <a:rPr lang="en-US" b="1" dirty="0"/>
                   <a:t>Core and Copper Loss</a:t>
                 </a:r>
               </a:p>
@@ -8327,10 +8583,128 @@
               <a:p>
                 <a:endParaRPr lang="en-US" dirty="0"/>
               </a:p>
+              <a:p>
+                <a:r>
+                  <a:rPr lang="en-US" dirty="0"/>
+                  <a:t>Temperature Rise : </a:t>
+                </a:r>
+                <a14:m>
+                  <m:oMath xmlns:m="http://schemas.openxmlformats.org/officeDocument/2006/math">
+                    <m:r>
+                      <a:rPr lang="en-US" i="1">
+                        <a:latin typeface="Cambria Math" panose="02040503050406030204" pitchFamily="18" charset="0"/>
+                      </a:rPr>
+                      <m:t>∆</m:t>
+                    </m:r>
+                    <m:r>
+                      <a:rPr lang="en-US" i="1">
+                        <a:latin typeface="Cambria Math" panose="02040503050406030204" pitchFamily="18" charset="0"/>
+                      </a:rPr>
+                      <m:t>𝑇</m:t>
+                    </m:r>
+                    <m:r>
+                      <a:rPr lang="en-US" i="1">
+                        <a:latin typeface="Cambria Math" panose="02040503050406030204" pitchFamily="18" charset="0"/>
+                      </a:rPr>
+                      <m:t>=</m:t>
+                    </m:r>
+                    <m:sSup>
+                      <m:sSupPr>
+                        <m:ctrlPr>
+                          <a:rPr lang="en-US" b="0" i="1" smtClean="0">
+                            <a:latin typeface="Cambria Math" panose="02040503050406030204" pitchFamily="18" charset="0"/>
+                          </a:rPr>
+                        </m:ctrlPr>
+                      </m:sSupPr>
+                      <m:e>
+                        <m:d>
+                          <m:dPr>
+                            <m:ctrlPr>
+                              <a:rPr lang="en-US" b="0" i="1" smtClean="0">
+                                <a:latin typeface="Cambria Math" panose="02040503050406030204" pitchFamily="18" charset="0"/>
+                              </a:rPr>
+                            </m:ctrlPr>
+                          </m:dPr>
+                          <m:e>
+                            <m:f>
+                              <m:fPr>
+                                <m:ctrlPr>
+                                  <a:rPr lang="en-US" b="0" i="1" smtClean="0">
+                                    <a:latin typeface="Cambria Math" panose="02040503050406030204" pitchFamily="18" charset="0"/>
+                                  </a:rPr>
+                                </m:ctrlPr>
+                              </m:fPr>
+                              <m:num>
+                                <m:r>
+                                  <a:rPr lang="en-US" b="0" i="1" smtClean="0">
+                                    <a:latin typeface="Cambria Math" panose="02040503050406030204" pitchFamily="18" charset="0"/>
+                                  </a:rPr>
+                                  <m:t>∑</m:t>
+                                </m:r>
+                                <m:r>
+                                  <a:rPr lang="en-US" b="0" i="1" smtClean="0">
+                                    <a:latin typeface="Cambria Math" panose="02040503050406030204" pitchFamily="18" charset="0"/>
+                                  </a:rPr>
+                                  <m:t>𝑃</m:t>
+                                </m:r>
+                              </m:num>
+                              <m:den>
+                                <m:sSub>
+                                  <m:sSubPr>
+                                    <m:ctrlPr>
+                                      <a:rPr lang="en-US" b="0" i="1" smtClean="0">
+                                        <a:latin typeface="Cambria Math" panose="02040503050406030204" pitchFamily="18" charset="0"/>
+                                      </a:rPr>
+                                    </m:ctrlPr>
+                                  </m:sSubPr>
+                                  <m:e>
+                                    <m:r>
+                                      <a:rPr lang="en-US" b="0" i="1" smtClean="0">
+                                        <a:latin typeface="Cambria Math" panose="02040503050406030204" pitchFamily="18" charset="0"/>
+                                      </a:rPr>
+                                      <m:t>𝐴</m:t>
+                                    </m:r>
+                                  </m:e>
+                                  <m:sub>
+                                    <m:r>
+                                      <a:rPr lang="en-US" b="0" i="1" smtClean="0">
+                                        <a:latin typeface="Cambria Math" panose="02040503050406030204" pitchFamily="18" charset="0"/>
+                                      </a:rPr>
+                                      <m:t>𝑡</m:t>
+                                    </m:r>
+                                  </m:sub>
+                                </m:sSub>
+                              </m:den>
+                            </m:f>
+                          </m:e>
+                        </m:d>
+                      </m:e>
+                      <m:sup>
+                        <m:r>
+                          <a:rPr lang="en-US" b="0" i="1" smtClean="0">
+                            <a:latin typeface="Cambria Math" panose="02040503050406030204" pitchFamily="18" charset="0"/>
+                          </a:rPr>
+                          <m:t>0.833</m:t>
+                        </m:r>
+                      </m:sup>
+                    </m:sSup>
+                  </m:oMath>
+                </a14:m>
+                <a:r>
+                  <a:rPr lang="en-US" b="0" dirty="0"/>
+                  <a:t>=28.5°C</a:t>
+                </a:r>
+              </a:p>
+              <a:p>
+                <a:endParaRPr lang="en-US" dirty="0"/>
+              </a:p>
+              <a:p>
+                <a:endParaRPr lang="en-US" dirty="0"/>
+              </a:p>
             </p:txBody>
           </p:sp>
         </mc:Choice>
-        <mc:Fallback xmlns="">
+        <mc:Fallback>
           <p:sp>
             <p:nvSpPr>
               <p:cNvPr id="3" name="Content Placeholder 2">
@@ -8372,10 +8746,10 @@
       </mc:AlternateContent>
       <p:sp>
         <p:nvSpPr>
-          <p:cNvPr id="22" name="Footer Placeholder 21">
+          <p:cNvPr id="6" name="Footer Placeholder 5">
             <a:extLst>
               <a:ext uri="{FF2B5EF4-FFF2-40B4-BE49-F238E27FC236}">
-                <a16:creationId xmlns:a16="http://schemas.microsoft.com/office/drawing/2014/main" id="{B0087B1E-21D8-50F9-9CF4-581050EABD33}"/>
+                <a16:creationId xmlns:a16="http://schemas.microsoft.com/office/drawing/2014/main" id="{60CA71E5-0632-68AF-440C-1BE611B44891}"/>
               </a:ext>
             </a:extLst>
           </p:cNvPr>
@@ -8626,10 +9000,10 @@
       </p:sp>
       <p:sp>
         <p:nvSpPr>
-          <p:cNvPr id="27" name="Footer Placeholder 26">
+          <p:cNvPr id="4" name="Footer Placeholder 3">
             <a:extLst>
               <a:ext uri="{FF2B5EF4-FFF2-40B4-BE49-F238E27FC236}">
-                <a16:creationId xmlns:a16="http://schemas.microsoft.com/office/drawing/2014/main" id="{30980C3A-1F6E-5815-5E9D-F5962521D4C6}"/>
+                <a16:creationId xmlns:a16="http://schemas.microsoft.com/office/drawing/2014/main" id="{F08721D2-6D82-2B65-70E6-8A8E257D92F3}"/>
               </a:ext>
             </a:extLst>
           </p:cNvPr>
@@ -8882,10 +9256,10 @@
       </p:sp>
       <p:sp>
         <p:nvSpPr>
-          <p:cNvPr id="26" name="Footer Placeholder 25">
+          <p:cNvPr id="4" name="Footer Placeholder 3">
             <a:extLst>
               <a:ext uri="{FF2B5EF4-FFF2-40B4-BE49-F238E27FC236}">
-                <a16:creationId xmlns:a16="http://schemas.microsoft.com/office/drawing/2014/main" id="{D018C731-9F81-AE9B-A14A-71E3C3C8FA40}"/>
+                <a16:creationId xmlns:a16="http://schemas.microsoft.com/office/drawing/2014/main" id="{BF366E90-42C5-6B20-6669-A7EB4C15BB1F}"/>
               </a:ext>
             </a:extLst>
           </p:cNvPr>
@@ -9018,10 +9392,10 @@
       </p:sp>
       <p:sp>
         <p:nvSpPr>
-          <p:cNvPr id="25" name="Footer Placeholder 24">
+          <p:cNvPr id="5" name="Footer Placeholder 4">
             <a:extLst>
               <a:ext uri="{FF2B5EF4-FFF2-40B4-BE49-F238E27FC236}">
-                <a16:creationId xmlns:a16="http://schemas.microsoft.com/office/drawing/2014/main" id="{DAF6BE2A-ED2C-3F06-1A9E-FA731F99E154}"/>
+                <a16:creationId xmlns:a16="http://schemas.microsoft.com/office/drawing/2014/main" id="{AFCFF742-6B9B-854E-C69C-20173E19C908}"/>
               </a:ext>
             </a:extLst>
           </p:cNvPr>
@@ -9213,10 +9587,10 @@
       </p:pic>
       <p:sp>
         <p:nvSpPr>
-          <p:cNvPr id="25" name="Footer Placeholder 24">
+          <p:cNvPr id="4" name="Footer Placeholder 3">
             <a:extLst>
               <a:ext uri="{FF2B5EF4-FFF2-40B4-BE49-F238E27FC236}">
-                <a16:creationId xmlns:a16="http://schemas.microsoft.com/office/drawing/2014/main" id="{59AAA3A0-26AF-1057-BCC1-7ADAE9B770B3}"/>
+                <a16:creationId xmlns:a16="http://schemas.microsoft.com/office/drawing/2014/main" id="{4E967338-176D-6EC4-99CC-22DBFB9A74B9}"/>
               </a:ext>
             </a:extLst>
           </p:cNvPr>
@@ -9405,10 +9779,10 @@
       </p:sp>
       <p:sp>
         <p:nvSpPr>
-          <p:cNvPr id="26" name="Footer Placeholder 25">
+          <p:cNvPr id="6" name="Footer Placeholder 5">
             <a:extLst>
               <a:ext uri="{FF2B5EF4-FFF2-40B4-BE49-F238E27FC236}">
-                <a16:creationId xmlns:a16="http://schemas.microsoft.com/office/drawing/2014/main" id="{B8FAFF52-25DD-D00E-0DA0-EB00B73E5A5D}"/>
+                <a16:creationId xmlns:a16="http://schemas.microsoft.com/office/drawing/2014/main" id="{D063F46D-822C-213C-A21D-26F2E9434ACF}"/>
               </a:ext>
             </a:extLst>
           </p:cNvPr>
@@ -9573,10 +9947,10 @@
       </p:sp>
       <p:sp>
         <p:nvSpPr>
-          <p:cNvPr id="25" name="Footer Placeholder 24">
+          <p:cNvPr id="4" name="Footer Placeholder 3">
             <a:extLst>
               <a:ext uri="{FF2B5EF4-FFF2-40B4-BE49-F238E27FC236}">
-                <a16:creationId xmlns:a16="http://schemas.microsoft.com/office/drawing/2014/main" id="{27663F4C-036C-FDB7-1051-92079F0AE874}"/>
+                <a16:creationId xmlns:a16="http://schemas.microsoft.com/office/drawing/2014/main" id="{17F3401D-3348-FB42-19AF-65A38E6E971E}"/>
               </a:ext>
             </a:extLst>
           </p:cNvPr>
@@ -9748,10 +10122,10 @@
       </p:sp>
       <p:sp>
         <p:nvSpPr>
-          <p:cNvPr id="25" name="Footer Placeholder 24">
+          <p:cNvPr id="4" name="Footer Placeholder 3">
             <a:extLst>
               <a:ext uri="{FF2B5EF4-FFF2-40B4-BE49-F238E27FC236}">
-                <a16:creationId xmlns:a16="http://schemas.microsoft.com/office/drawing/2014/main" id="{4C629B00-536A-6135-C6C7-AE6FA6578443}"/>
+                <a16:creationId xmlns:a16="http://schemas.microsoft.com/office/drawing/2014/main" id="{5F105718-D94A-73DD-FE77-6C048D901C27}"/>
               </a:ext>
             </a:extLst>
           </p:cNvPr>
@@ -10855,10 +11229,10 @@
       </mc:AlternateContent>
       <p:sp>
         <p:nvSpPr>
-          <p:cNvPr id="25" name="Footer Placeholder 24">
+          <p:cNvPr id="6" name="Footer Placeholder 5">
             <a:extLst>
               <a:ext uri="{FF2B5EF4-FFF2-40B4-BE49-F238E27FC236}">
-                <a16:creationId xmlns:a16="http://schemas.microsoft.com/office/drawing/2014/main" id="{49C1E6C8-3433-65BC-35E2-3ACF4C8834AE}"/>
+                <a16:creationId xmlns:a16="http://schemas.microsoft.com/office/drawing/2014/main" id="{06196419-3459-F8EC-4E5E-03022BA2FE71}"/>
               </a:ext>
             </a:extLst>
           </p:cNvPr>
@@ -10990,10 +11364,10 @@
       </p:sp>
       <p:sp>
         <p:nvSpPr>
-          <p:cNvPr id="25" name="Footer Placeholder 24">
+          <p:cNvPr id="6" name="Footer Placeholder 5">
             <a:extLst>
               <a:ext uri="{FF2B5EF4-FFF2-40B4-BE49-F238E27FC236}">
-                <a16:creationId xmlns:a16="http://schemas.microsoft.com/office/drawing/2014/main" id="{8D067DC0-D2BF-6789-56DA-9AA1CA069F8D}"/>
+                <a16:creationId xmlns:a16="http://schemas.microsoft.com/office/drawing/2014/main" id="{F19CE937-5284-1259-ACAB-D548CD8FDA82}"/>
               </a:ext>
             </a:extLst>
           </p:cNvPr>
@@ -11745,10 +12119,10 @@
       </mc:AlternateContent>
       <p:sp>
         <p:nvSpPr>
-          <p:cNvPr id="25" name="Footer Placeholder 24">
+          <p:cNvPr id="6" name="Footer Placeholder 5">
             <a:extLst>
               <a:ext uri="{FF2B5EF4-FFF2-40B4-BE49-F238E27FC236}">
-                <a16:creationId xmlns:a16="http://schemas.microsoft.com/office/drawing/2014/main" id="{52DEA509-12D7-6CFA-C683-1BBD58219A1F}"/>
+                <a16:creationId xmlns:a16="http://schemas.microsoft.com/office/drawing/2014/main" id="{B099DAEF-863F-8CF5-CE3D-CB5CED7AD2E4}"/>
               </a:ext>
             </a:extLst>
           </p:cNvPr>
@@ -11849,25 +12223,54 @@
             <p:ph idx="1"/>
           </p:nvPr>
         </p:nvSpPr>
-        <p:spPr/>
-        <p:txBody>
-          <a:bodyPr/>
+        <p:spPr>
+          <a:xfrm>
+            <a:off x="838199" y="1851025"/>
+            <a:ext cx="10913533" cy="4351338"/>
+          </a:xfrm>
+        </p:spPr>
+        <p:txBody>
+          <a:bodyPr>
+            <a:normAutofit/>
+          </a:bodyPr>
           <a:lstStyle/>
           <a:p>
             <a:r>
-              <a:rPr lang="tr-TR" dirty="0"/>
+              <a:rPr lang="tr-TR" sz="1800" dirty="0"/>
               <a:t>keysan.me</a:t>
             </a:r>
-            <a:endParaRPr lang="en-US" dirty="0"/>
-          </a:p>
-        </p:txBody>
-      </p:sp>
-      <p:sp>
-        <p:nvSpPr>
-          <p:cNvPr id="25" name="Footer Placeholder 24">
+            <a:endParaRPr lang="en-US" sz="1800" dirty="0"/>
+          </a:p>
+          <a:p>
+            <a:r>
+              <a:rPr lang="en-US" sz="1800" dirty="0"/>
+              <a:t>“Design Guidelines for Off-line Flyback Converters Using Fairchild Power Switch (FPS)”,2003 [Online] Available: </a:t>
+            </a:r>
+            <a:r>
+              <a:rPr lang="en-US" sz="1800" dirty="0">
+                <a:hlinkClick r:id="rId4"/>
+              </a:rPr>
+              <a:t>https://www.all-electronics.de/wp-content/uploads/migrated/document/167525/46fbe8c82a6.pdf</a:t>
+            </a:r>
+            <a:endParaRPr lang="en-US" sz="1800" dirty="0"/>
+          </a:p>
+          <a:p>
+            <a:r>
+              <a:rPr lang="en-US" sz="1800" dirty="0"/>
+              <a:t>“Predicting Temperature Rise of Ferrite Cored Transformers”[Online], Available: https://elnamagnetics.com/wp-content/uploads/library/TSC-Ferrite-International/Predicting_Temperature_Rise_of_Ferrite_Cored_Transformers.pdf</a:t>
+            </a:r>
+          </a:p>
+          <a:p>
+            <a:endParaRPr lang="en-US" sz="1800" dirty="0"/>
+          </a:p>
+        </p:txBody>
+      </p:sp>
+      <p:sp>
+        <p:nvSpPr>
+          <p:cNvPr id="6" name="Footer Placeholder 5">
             <a:extLst>
               <a:ext uri="{FF2B5EF4-FFF2-40B4-BE49-F238E27FC236}">
-                <a16:creationId xmlns:a16="http://schemas.microsoft.com/office/drawing/2014/main" id="{41EF22AA-FEA2-E49C-2A43-9534B714CA0A}"/>
+                <a16:creationId xmlns:a16="http://schemas.microsoft.com/office/drawing/2014/main" id="{767DE491-46F4-ED3D-BCC3-485F4D569910}"/>
               </a:ext>
             </a:extLst>
           </p:cNvPr>
@@ -11975,10 +12378,10 @@
       </p:sp>
       <p:sp>
         <p:nvSpPr>
-          <p:cNvPr id="25" name="Footer Placeholder 24">
+          <p:cNvPr id="6" name="Footer Placeholder 5">
             <a:extLst>
               <a:ext uri="{FF2B5EF4-FFF2-40B4-BE49-F238E27FC236}">
-                <a16:creationId xmlns:a16="http://schemas.microsoft.com/office/drawing/2014/main" id="{AD03C977-1EA5-8A6D-DC84-5DF8C1899683}"/>
+                <a16:creationId xmlns:a16="http://schemas.microsoft.com/office/drawing/2014/main" id="{05C43855-75D9-3EE3-51CB-5D3569312EEE}"/>
               </a:ext>
             </a:extLst>
           </p:cNvPr>
@@ -12086,10 +12489,10 @@
       </p:sp>
       <p:sp>
         <p:nvSpPr>
-          <p:cNvPr id="25" name="Footer Placeholder 24">
+          <p:cNvPr id="6" name="Footer Placeholder 5">
             <a:extLst>
               <a:ext uri="{FF2B5EF4-FFF2-40B4-BE49-F238E27FC236}">
-                <a16:creationId xmlns:a16="http://schemas.microsoft.com/office/drawing/2014/main" id="{76B0CE81-94C4-2C25-E2B0-F0FB07FC4D10}"/>
+                <a16:creationId xmlns:a16="http://schemas.microsoft.com/office/drawing/2014/main" id="{1ED73A7A-3D58-A0C5-E3B2-D6F610736B6D}"/>
               </a:ext>
             </a:extLst>
           </p:cNvPr>
@@ -12274,10 +12677,10 @@
       </p:sp>
       <p:sp>
         <p:nvSpPr>
-          <p:cNvPr id="25" name="Footer Placeholder 24">
+          <p:cNvPr id="6" name="Footer Placeholder 5">
             <a:extLst>
               <a:ext uri="{FF2B5EF4-FFF2-40B4-BE49-F238E27FC236}">
-                <a16:creationId xmlns:a16="http://schemas.microsoft.com/office/drawing/2014/main" id="{DC29CC79-7E93-AF60-4D8F-12B88C0D3503}"/>
+                <a16:creationId xmlns:a16="http://schemas.microsoft.com/office/drawing/2014/main" id="{DD6FDD0B-86A9-00C1-51BC-A87283C110D6}"/>
               </a:ext>
             </a:extLst>
           </p:cNvPr>
@@ -12468,7 +12871,7 @@
           </p:nvPr>
         </p:nvPicPr>
         <p:blipFill>
-          <a:blip r:embed="rId2">
+          <a:blip r:embed="rId4">
             <a:extLst>
               <a:ext uri="{28A0092B-C50C-407E-A947-70E740481C1C}">
                 <a14:useLocalDpi xmlns:a14="http://schemas.microsoft.com/office/drawing/2010/main" val="0"/>
@@ -12489,6 +12892,37 @@
           </a:prstGeom>
         </p:spPr>
       </p:pic>
+      <p:sp>
+        <p:nvSpPr>
+          <p:cNvPr id="6" name="Footer Placeholder 5">
+            <a:extLst>
+              <a:ext uri="{FF2B5EF4-FFF2-40B4-BE49-F238E27FC236}">
+                <a16:creationId xmlns:a16="http://schemas.microsoft.com/office/drawing/2014/main" id="{6B2B8AF2-8E40-5E87-59E8-95D5FB1022A6}"/>
+              </a:ext>
+            </a:extLst>
+          </p:cNvPr>
+          <p:cNvSpPr>
+            <a:spLocks noGrp="1"/>
+          </p:cNvSpPr>
+          <p:nvPr>
+            <p:ph type="ftr" sz="quarter" idx="11"/>
+            <p:custDataLst>
+              <p:tags r:id="rId1"/>
+            </p:custDataLst>
+          </p:nvPr>
+        </p:nvSpPr>
+        <p:spPr/>
+        <p:txBody>
+          <a:bodyPr/>
+          <a:lstStyle/>
+          <a:p>
+            <a:r>
+              <a:rPr lang="en-US"/>
+              <a:t>GENEL(PUBLIC)</a:t>
+            </a:r>
+          </a:p>
+        </p:txBody>
+      </p:sp>
     </p:spTree>
     <p:extLst>
       <p:ext uri="{BB962C8B-B14F-4D97-AF65-F5344CB8AC3E}">
@@ -12818,6 +13252,37 @@
               <a:buNone/>
             </a:pPr>
             <a:endParaRPr lang="tr-TR" dirty="0"/>
+          </a:p>
+        </p:txBody>
+      </p:sp>
+      <p:sp>
+        <p:nvSpPr>
+          <p:cNvPr id="6" name="Footer Placeholder 5">
+            <a:extLst>
+              <a:ext uri="{FF2B5EF4-FFF2-40B4-BE49-F238E27FC236}">
+                <a16:creationId xmlns:a16="http://schemas.microsoft.com/office/drawing/2014/main" id="{D2EFA624-0BC4-EF39-E3A4-7FD2E6C3C9DB}"/>
+              </a:ext>
+            </a:extLst>
+          </p:cNvPr>
+          <p:cNvSpPr>
+            <a:spLocks noGrp="1"/>
+          </p:cNvSpPr>
+          <p:nvPr>
+            <p:ph type="ftr" sz="quarter" idx="11"/>
+            <p:custDataLst>
+              <p:tags r:id="rId1"/>
+            </p:custDataLst>
+          </p:nvPr>
+        </p:nvSpPr>
+        <p:spPr/>
+        <p:txBody>
+          <a:bodyPr/>
+          <a:lstStyle/>
+          <a:p>
+            <a:r>
+              <a:rPr lang="en-US"/>
+              <a:t>GENEL(PUBLIC)</a:t>
+            </a:r>
           </a:p>
         </p:txBody>
       </p:sp>
@@ -13107,10 +13572,10 @@
       </p:pic>
       <p:sp>
         <p:nvSpPr>
-          <p:cNvPr id="29" name="Footer Placeholder 28">
+          <p:cNvPr id="6" name="Footer Placeholder 5">
             <a:extLst>
               <a:ext uri="{FF2B5EF4-FFF2-40B4-BE49-F238E27FC236}">
-                <a16:creationId xmlns:a16="http://schemas.microsoft.com/office/drawing/2014/main" id="{02940D52-91C5-8F2C-630E-C69910CC9DE0}"/>
+                <a16:creationId xmlns:a16="http://schemas.microsoft.com/office/drawing/2014/main" id="{D0DB1481-002D-B685-89EA-D6D62DF4E4FB}"/>
               </a:ext>
             </a:extLst>
           </p:cNvPr>
@@ -13216,7 +13681,7 @@
           <a:lstStyle/>
           <a:p>
             <a:r>
-              <a:rPr lang="en-US" dirty="0"/>
+              <a:rPr lang="en-US" b="1" dirty="0"/>
               <a:t>Core Selection</a:t>
             </a:r>
           </a:p>
@@ -13278,10 +13743,10 @@
       </p:pic>
       <p:sp>
         <p:nvSpPr>
-          <p:cNvPr id="23" name="Footer Placeholder 22">
+          <p:cNvPr id="6" name="Footer Placeholder 5">
             <a:extLst>
               <a:ext uri="{FF2B5EF4-FFF2-40B4-BE49-F238E27FC236}">
-                <a16:creationId xmlns:a16="http://schemas.microsoft.com/office/drawing/2014/main" id="{75B5DDE6-A536-1D9A-BBFC-D8254674F83D}"/>
+                <a16:creationId xmlns:a16="http://schemas.microsoft.com/office/drawing/2014/main" id="{CBC678D2-CB66-0130-6CC0-F2EE61084E84}"/>
               </a:ext>
             </a:extLst>
           </p:cNvPr>
@@ -13626,10 +14091,10 @@
       </mc:AlternateContent>
       <p:sp>
         <p:nvSpPr>
-          <p:cNvPr id="7" name="Footer Placeholder 6">
+          <p:cNvPr id="6" name="Footer Placeholder 5">
             <a:extLst>
               <a:ext uri="{FF2B5EF4-FFF2-40B4-BE49-F238E27FC236}">
-                <a16:creationId xmlns:a16="http://schemas.microsoft.com/office/drawing/2014/main" id="{2EE46DC3-984E-4D72-6391-59719CAB1D22}"/>
+                <a16:creationId xmlns:a16="http://schemas.microsoft.com/office/drawing/2014/main" id="{657D91A0-2476-EE55-CF0A-445A9A328C5D}"/>
               </a:ext>
             </a:extLst>
           </p:cNvPr>
@@ -18311,10 +18776,10 @@
       </p:graphicFrame>
       <p:sp>
         <p:nvSpPr>
-          <p:cNvPr id="28" name="Footer Placeholder 27">
+          <p:cNvPr id="7" name="Footer Placeholder 6">
             <a:extLst>
               <a:ext uri="{FF2B5EF4-FFF2-40B4-BE49-F238E27FC236}">
-                <a16:creationId xmlns:a16="http://schemas.microsoft.com/office/drawing/2014/main" id="{25CB4584-A1EB-204F-5A8B-D3D7EE500667}"/>
+                <a16:creationId xmlns:a16="http://schemas.microsoft.com/office/drawing/2014/main" id="{CEB87FB6-EB2F-1E2C-F32D-E8AC84D78B46}"/>
               </a:ext>
             </a:extLst>
           </p:cNvPr>
@@ -18689,7 +19154,39 @@
 </p:tagLst>
 </file>
 
+<file path=ppt/tags/tag48.xml><?xml version="1.0" encoding="utf-8"?>
+<p:tagLst xmlns:a="http://schemas.openxmlformats.org/drawingml/2006/main" xmlns:r="http://schemas.openxmlformats.org/officeDocument/2006/relationships" xmlns:p="http://schemas.openxmlformats.org/presentationml/2006/main">
+  <p:tag name="BJHEADERFOOTERLABEL" val="TRUE"/>
+  <p:tag name="BJHEADERFOOTERTEXTLABEL" val="GENEL(PUBLIC)"/>
+  <p:tag name="BJHEADERFOOTERTEXTMARKING" val="GENEL(PUBLIC)"/>
+</p:tagLst>
+</file>
+
+<file path=ppt/tags/tag49.xml><?xml version="1.0" encoding="utf-8"?>
+<p:tagLst xmlns:a="http://schemas.openxmlformats.org/drawingml/2006/main" xmlns:r="http://schemas.openxmlformats.org/officeDocument/2006/relationships" xmlns:p="http://schemas.openxmlformats.org/presentationml/2006/main">
+  <p:tag name="BJHEADERFOOTERLABEL" val="TRUE"/>
+  <p:tag name="BJHEADERFOOTERTEXTLABEL" val="GENEL(PUBLIC)"/>
+  <p:tag name="BJHEADERFOOTERTEXTMARKING" val="GENEL(PUBLIC)"/>
+</p:tagLst>
+</file>
+
 <file path=ppt/tags/tag5.xml><?xml version="1.0" encoding="utf-8"?>
+<p:tagLst xmlns:a="http://schemas.openxmlformats.org/drawingml/2006/main" xmlns:r="http://schemas.openxmlformats.org/officeDocument/2006/relationships" xmlns:p="http://schemas.openxmlformats.org/presentationml/2006/main">
+  <p:tag name="BJHEADERFOOTERLABEL" val="TRUE"/>
+  <p:tag name="BJHEADERFOOTERTEXTLABEL" val="GENEL(PUBLIC)"/>
+  <p:tag name="BJHEADERFOOTERTEXTMARKING" val="GENEL(PUBLIC)"/>
+</p:tagLst>
+</file>
+
+<file path=ppt/tags/tag50.xml><?xml version="1.0" encoding="utf-8"?>
+<p:tagLst xmlns:a="http://schemas.openxmlformats.org/drawingml/2006/main" xmlns:r="http://schemas.openxmlformats.org/officeDocument/2006/relationships" xmlns:p="http://schemas.openxmlformats.org/presentationml/2006/main">
+  <p:tag name="BJHEADERFOOTERLABEL" val="TRUE"/>
+  <p:tag name="BJHEADERFOOTERTEXTLABEL" val="GENEL(PUBLIC)"/>
+  <p:tag name="BJHEADERFOOTERTEXTMARKING" val="GENEL(PUBLIC)"/>
+</p:tagLst>
+</file>
+
+<file path=ppt/tags/tag51.xml><?xml version="1.0" encoding="utf-8"?>
 <p:tagLst xmlns:a="http://schemas.openxmlformats.org/drawingml/2006/main" xmlns:r="http://schemas.openxmlformats.org/officeDocument/2006/relationships" xmlns:p="http://schemas.openxmlformats.org/presentationml/2006/main">
   <p:tag name="BJHEADERFOOTERLABEL" val="TRUE"/>
   <p:tag name="BJHEADERFOOTERTEXTLABEL" val="GENEL(PUBLIC)"/>
@@ -19621,7 +20118,7 @@
 </file>
 
 <file path=customXml/itemProps1.xml><?xml version="1.0" encoding="utf-8"?>
-<ds:datastoreItem xmlns:ds="http://schemas.openxmlformats.org/officeDocument/2006/customXml" ds:itemID="{970266FC-6D9E-47A9-B108-6B044B29DAD4}">
+<ds:datastoreItem xmlns:ds="http://schemas.openxmlformats.org/officeDocument/2006/customXml" ds:itemID="{AFACBFE8-6952-4F2D-9462-B50D9694DA02}">
   <ds:schemaRefs>
     <ds:schemaRef ds:uri="http://www.w3.org/2001/XMLSchema"/>
     <ds:schemaRef ds:uri="http://www.boldonjames.com/2008/01/sie/internal/label"/>

--- a/Presentation/Feedback_Presentation.pptx
+++ b/Presentation/Feedback_Presentation.pptx
@@ -5,10 +5,10 @@
     <p:sldMasterId id="2147483648" r:id="rId2"/>
   </p:sldMasterIdLst>
   <p:notesMasterIdLst>
-    <p:notesMasterId r:id="rId26"/>
+    <p:notesMasterId r:id="rId27"/>
   </p:notesMasterIdLst>
   <p:handoutMasterIdLst>
-    <p:handoutMasterId r:id="rId27"/>
+    <p:handoutMasterId r:id="rId28"/>
   </p:handoutMasterIdLst>
   <p:sldIdLst>
     <p:sldId id="256" r:id="rId3"/>
@@ -29,11 +29,12 @@
     <p:sldId id="268" r:id="rId18"/>
     <p:sldId id="269" r:id="rId19"/>
     <p:sldId id="270" r:id="rId20"/>
-    <p:sldId id="271" r:id="rId21"/>
-    <p:sldId id="272" r:id="rId22"/>
-    <p:sldId id="261" r:id="rId23"/>
-    <p:sldId id="262" r:id="rId24"/>
-    <p:sldId id="263" r:id="rId25"/>
+    <p:sldId id="281" r:id="rId21"/>
+    <p:sldId id="271" r:id="rId22"/>
+    <p:sldId id="272" r:id="rId23"/>
+    <p:sldId id="261" r:id="rId24"/>
+    <p:sldId id="262" r:id="rId25"/>
+    <p:sldId id="263" r:id="rId26"/>
   </p:sldIdLst>
   <p:sldSz cx="12192000" cy="6858000"/>
   <p:notesSz cx="6858000" cy="9144000"/>
@@ -234,7 +235,7 @@
           <a:p>
             <a:fld id="{EB96F088-1723-4EBA-B4C2-F6F3CE1F72AD}" type="datetimeFigureOut">
               <a:rPr lang="en-US" smtClean="0"/>
-              <a:t>10-May-23</a:t>
+              <a:t>5/10/2023</a:t>
             </a:fld>
             <a:endParaRPr lang="en-US"/>
           </a:p>
@@ -424,7 +425,7 @@
           <a:p>
             <a:fld id="{824F98EE-B85B-4441-9FE0-1A85F53FB108}" type="datetimeFigureOut">
               <a:rPr lang="en-US" smtClean="0"/>
-              <a:t>10-May-23</a:t>
+              <a:t>5/10/2023</a:t>
             </a:fld>
             <a:endParaRPr lang="en-US"/>
           </a:p>
@@ -2092,7 +2093,7 @@
           <a:p>
             <a:fld id="{4947A2F4-0CC5-4824-99E8-C7A53C3045FC}" type="slidenum">
               <a:rPr lang="en-US" smtClean="0"/>
-              <a:t>19</a:t>
+              <a:t>20</a:t>
             </a:fld>
             <a:endParaRPr lang="en-US"/>
           </a:p>
@@ -2348,7 +2349,7 @@
           <a:p>
             <a:fld id="{4947A2F4-0CC5-4824-99E8-C7A53C3045FC}" type="slidenum">
               <a:rPr lang="en-US" smtClean="0"/>
-              <a:t>20</a:t>
+              <a:t>21</a:t>
             </a:fld>
             <a:endParaRPr lang="en-US"/>
           </a:p>
@@ -2476,7 +2477,7 @@
           <a:p>
             <a:fld id="{4947A2F4-0CC5-4824-99E8-C7A53C3045FC}" type="slidenum">
               <a:rPr lang="en-US" smtClean="0"/>
-              <a:t>21</a:t>
+              <a:t>22</a:t>
             </a:fld>
             <a:endParaRPr lang="en-US"/>
           </a:p>
@@ -2604,7 +2605,7 @@
           <a:p>
             <a:fld id="{4947A2F4-0CC5-4824-99E8-C7A53C3045FC}" type="slidenum">
               <a:rPr lang="en-US" smtClean="0"/>
-              <a:t>22</a:t>
+              <a:t>23</a:t>
             </a:fld>
             <a:endParaRPr lang="en-US"/>
           </a:p>
@@ -2732,7 +2733,7 @@
           <a:p>
             <a:fld id="{4947A2F4-0CC5-4824-99E8-C7A53C3045FC}" type="slidenum">
               <a:rPr lang="en-US" smtClean="0"/>
-              <a:t>23</a:t>
+              <a:t>24</a:t>
             </a:fld>
             <a:endParaRPr lang="en-US"/>
           </a:p>
@@ -3794,7 +3795,7 @@
           <a:p>
             <a:fld id="{38B2EEB4-0E35-4EF1-92DC-B22E6CA2CA1E}" type="datetimeFigureOut">
               <a:rPr lang="en-US" smtClean="0"/>
-              <a:t>10-May-23</a:t>
+              <a:t>5/10/2023</a:t>
             </a:fld>
             <a:endParaRPr lang="en-US"/>
           </a:p>
@@ -4006,7 +4007,7 @@
           <a:p>
             <a:fld id="{38B2EEB4-0E35-4EF1-92DC-B22E6CA2CA1E}" type="datetimeFigureOut">
               <a:rPr lang="en-US" smtClean="0"/>
-              <a:t>10-May-23</a:t>
+              <a:t>5/10/2023</a:t>
             </a:fld>
             <a:endParaRPr lang="en-US"/>
           </a:p>
@@ -4214,7 +4215,7 @@
           <a:p>
             <a:fld id="{38B2EEB4-0E35-4EF1-92DC-B22E6CA2CA1E}" type="datetimeFigureOut">
               <a:rPr lang="en-US" smtClean="0"/>
-              <a:t>10-May-23</a:t>
+              <a:t>5/10/2023</a:t>
             </a:fld>
             <a:endParaRPr lang="en-US"/>
           </a:p>
@@ -4412,7 +4413,7 @@
           <a:p>
             <a:fld id="{38B2EEB4-0E35-4EF1-92DC-B22E6CA2CA1E}" type="datetimeFigureOut">
               <a:rPr lang="en-US" smtClean="0"/>
-              <a:t>10-May-23</a:t>
+              <a:t>5/10/2023</a:t>
             </a:fld>
             <a:endParaRPr lang="en-US"/>
           </a:p>
@@ -4701,7 +4702,7 @@
           <a:p>
             <a:fld id="{38B2EEB4-0E35-4EF1-92DC-B22E6CA2CA1E}" type="datetimeFigureOut">
               <a:rPr lang="en-US" smtClean="0"/>
-              <a:t>10-May-23</a:t>
+              <a:t>5/10/2023</a:t>
             </a:fld>
             <a:endParaRPr lang="en-US"/>
           </a:p>
@@ -4966,7 +4967,7 @@
           <a:p>
             <a:fld id="{38B2EEB4-0E35-4EF1-92DC-B22E6CA2CA1E}" type="datetimeFigureOut">
               <a:rPr lang="en-US" smtClean="0"/>
-              <a:t>10-May-23</a:t>
+              <a:t>5/10/2023</a:t>
             </a:fld>
             <a:endParaRPr lang="en-US"/>
           </a:p>
@@ -5378,7 +5379,7 @@
           <a:p>
             <a:fld id="{38B2EEB4-0E35-4EF1-92DC-B22E6CA2CA1E}" type="datetimeFigureOut">
               <a:rPr lang="en-US" smtClean="0"/>
-              <a:t>10-May-23</a:t>
+              <a:t>5/10/2023</a:t>
             </a:fld>
             <a:endParaRPr lang="en-US"/>
           </a:p>
@@ -5519,7 +5520,7 @@
           <a:p>
             <a:fld id="{38B2EEB4-0E35-4EF1-92DC-B22E6CA2CA1E}" type="datetimeFigureOut">
               <a:rPr lang="en-US" smtClean="0"/>
-              <a:t>10-May-23</a:t>
+              <a:t>5/10/2023</a:t>
             </a:fld>
             <a:endParaRPr lang="en-US"/>
           </a:p>
@@ -5632,7 +5633,7 @@
           <a:p>
             <a:fld id="{38B2EEB4-0E35-4EF1-92DC-B22E6CA2CA1E}" type="datetimeFigureOut">
               <a:rPr lang="en-US" smtClean="0"/>
-              <a:t>10-May-23</a:t>
+              <a:t>5/10/2023</a:t>
             </a:fld>
             <a:endParaRPr lang="en-US"/>
           </a:p>
@@ -5943,7 +5944,7 @@
           <a:p>
             <a:fld id="{38B2EEB4-0E35-4EF1-92DC-B22E6CA2CA1E}" type="datetimeFigureOut">
               <a:rPr lang="en-US" smtClean="0"/>
-              <a:t>10-May-23</a:t>
+              <a:t>5/10/2023</a:t>
             </a:fld>
             <a:endParaRPr lang="en-US"/>
           </a:p>
@@ -6231,7 +6232,7 @@
           <a:p>
             <a:fld id="{38B2EEB4-0E35-4EF1-92DC-B22E6CA2CA1E}" type="datetimeFigureOut">
               <a:rPr lang="en-US" smtClean="0"/>
-              <a:t>10-May-23</a:t>
+              <a:t>5/10/2023</a:t>
             </a:fld>
             <a:endParaRPr lang="en-US"/>
           </a:p>
@@ -6472,7 +6473,7 @@
           <a:p>
             <a:fld id="{38B2EEB4-0E35-4EF1-92DC-B22E6CA2CA1E}" type="datetimeFigureOut">
               <a:rPr lang="en-US" smtClean="0"/>
-              <a:t>10-May-23</a:t>
+              <a:t>5/10/2023</a:t>
             </a:fld>
             <a:endParaRPr lang="en-US"/>
           </a:p>
@@ -8185,8 +8186,8 @@
           </a:p>
         </p:txBody>
       </p:sp>
-      <mc:AlternateContent xmlns:mc="http://schemas.openxmlformats.org/markup-compatibility/2006">
-        <mc:Choice xmlns:a14="http://schemas.microsoft.com/office/drawing/2010/main" Requires="a14">
+      <mc:AlternateContent xmlns:mc="http://schemas.openxmlformats.org/markup-compatibility/2006" xmlns:a14="http://schemas.microsoft.com/office/drawing/2010/main">
+        <mc:Choice Requires="a14">
           <p:sp>
             <p:nvSpPr>
               <p:cNvPr id="3" name="Content Placeholder 2">
@@ -8704,7 +8705,7 @@
             </p:txBody>
           </p:sp>
         </mc:Choice>
-        <mc:Fallback>
+        <mc:Fallback xmlns="">
           <p:sp>
             <p:nvSpPr>
               <p:cNvPr id="3" name="Content Placeholder 2">
@@ -10165,6 +10166,297 @@
 </file>
 
 <file path=ppt/slides/slide19.xml><?xml version="1.0" encoding="utf-8"?>
+<p:sld xmlns:a="http://schemas.openxmlformats.org/drawingml/2006/main" xmlns:r="http://schemas.openxmlformats.org/officeDocument/2006/relationships" xmlns:p="http://schemas.openxmlformats.org/presentationml/2006/main">
+  <p:cSld>
+    <p:spTree>
+      <p:nvGrpSpPr>
+        <p:cNvPr id="1" name=""/>
+        <p:cNvGrpSpPr/>
+        <p:nvPr/>
+      </p:nvGrpSpPr>
+      <p:grpSpPr>
+        <a:xfrm>
+          <a:off x="0" y="0"/>
+          <a:ext cx="0" cy="0"/>
+          <a:chOff x="0" y="0"/>
+          <a:chExt cx="0" cy="0"/>
+        </a:xfrm>
+      </p:grpSpPr>
+      <p:pic>
+        <p:nvPicPr>
+          <p:cNvPr id="5" name="Picture 4">
+            <a:extLst>
+              <a:ext uri="{FF2B5EF4-FFF2-40B4-BE49-F238E27FC236}">
+                <a16:creationId xmlns:a16="http://schemas.microsoft.com/office/drawing/2014/main" id="{B89B2251-FD74-5FB6-2DB5-B0740B57FF12}"/>
+              </a:ext>
+            </a:extLst>
+          </p:cNvPr>
+          <p:cNvPicPr>
+            <a:picLocks noChangeAspect="1"/>
+          </p:cNvPicPr>
+          <p:nvPr/>
+        </p:nvPicPr>
+        <p:blipFill>
+          <a:blip r:embed="rId2"/>
+          <a:stretch>
+            <a:fillRect/>
+          </a:stretch>
+        </p:blipFill>
+        <p:spPr>
+          <a:xfrm>
+            <a:off x="0" y="924866"/>
+            <a:ext cx="12192000" cy="5008267"/>
+          </a:xfrm>
+          <a:prstGeom prst="rect">
+            <a:avLst/>
+          </a:prstGeom>
+        </p:spPr>
+      </p:pic>
+      <p:sp>
+        <p:nvSpPr>
+          <p:cNvPr id="6" name="TextBox 5">
+            <a:extLst>
+              <a:ext uri="{FF2B5EF4-FFF2-40B4-BE49-F238E27FC236}">
+                <a16:creationId xmlns:a16="http://schemas.microsoft.com/office/drawing/2014/main" id="{B7C6C772-B338-C356-AC5F-6DA5F7C77CD8}"/>
+              </a:ext>
+            </a:extLst>
+          </p:cNvPr>
+          <p:cNvSpPr txBox="1"/>
+          <p:nvPr/>
+        </p:nvSpPr>
+        <p:spPr>
+          <a:xfrm>
+            <a:off x="0" y="463201"/>
+            <a:ext cx="12567970" cy="461665"/>
+          </a:xfrm>
+          <a:prstGeom prst="rect">
+            <a:avLst/>
+          </a:prstGeom>
+          <a:noFill/>
+        </p:spPr>
+        <p:txBody>
+          <a:bodyPr wrap="square" rtlCol="0">
+            <a:spAutoFit/>
+          </a:bodyPr>
+          <a:lstStyle/>
+          <a:p>
+            <a:r>
+              <a:rPr lang="tr-TR" sz="2400" dirty="0" err="1"/>
+              <a:t>Output</a:t>
+            </a:r>
+            <a:r>
+              <a:rPr lang="tr-TR" sz="2400" dirty="0"/>
+              <a:t> </a:t>
+            </a:r>
+            <a:r>
+              <a:rPr lang="tr-TR" sz="2400" dirty="0" err="1"/>
+              <a:t>Voltage,Secondary</a:t>
+            </a:r>
+            <a:r>
+              <a:rPr lang="tr-TR" sz="2400" dirty="0"/>
+              <a:t> </a:t>
+            </a:r>
+            <a:r>
+              <a:rPr lang="tr-TR" sz="2400" dirty="0" err="1"/>
+              <a:t>Diode</a:t>
+            </a:r>
+            <a:r>
+              <a:rPr lang="tr-TR" sz="2400" dirty="0"/>
+              <a:t> </a:t>
+            </a:r>
+            <a:r>
+              <a:rPr lang="tr-TR" sz="2400" dirty="0" err="1"/>
+              <a:t>Current</a:t>
+            </a:r>
+            <a:r>
+              <a:rPr lang="tr-TR" sz="2400" dirty="0"/>
+              <a:t> </a:t>
+            </a:r>
+            <a:r>
+              <a:rPr lang="tr-TR" sz="2400" dirty="0" err="1"/>
+              <a:t>and</a:t>
+            </a:r>
+            <a:r>
+              <a:rPr lang="tr-TR" sz="2400" dirty="0"/>
+              <a:t> MOSFET </a:t>
+            </a:r>
+            <a:r>
+              <a:rPr lang="tr-TR" sz="2400" dirty="0" err="1"/>
+              <a:t>Current</a:t>
+            </a:r>
+            <a:r>
+              <a:rPr lang="tr-TR" sz="2400" dirty="0"/>
+              <a:t> (12V </a:t>
+            </a:r>
+            <a:r>
+              <a:rPr lang="tr-TR" sz="2400" dirty="0" err="1"/>
+              <a:t>input</a:t>
+            </a:r>
+            <a:r>
+              <a:rPr lang="tr-TR" sz="2400" dirty="0"/>
+              <a:t> – Maximum </a:t>
+            </a:r>
+            <a:r>
+              <a:rPr lang="tr-TR" sz="2400" dirty="0" err="1"/>
+              <a:t>Load</a:t>
+            </a:r>
+            <a:r>
+              <a:rPr lang="tr-TR" sz="2400" dirty="0"/>
+              <a:t> – t=0)</a:t>
+            </a:r>
+            <a:endParaRPr lang="en-US" sz="2400" dirty="0"/>
+          </a:p>
+        </p:txBody>
+      </p:sp>
+    </p:spTree>
+    <p:extLst>
+      <p:ext uri="{BB962C8B-B14F-4D97-AF65-F5344CB8AC3E}">
+        <p14:creationId xmlns:p14="http://schemas.microsoft.com/office/powerpoint/2010/main" val="2151167123"/>
+      </p:ext>
+    </p:extLst>
+  </p:cSld>
+  <p:clrMapOvr>
+    <a:masterClrMapping/>
+  </p:clrMapOvr>
+</p:sld>
+</file>
+
+<file path=ppt/slides/slide2.xml><?xml version="1.0" encoding="utf-8"?>
+<p:sld xmlns:a="http://schemas.openxmlformats.org/drawingml/2006/main" xmlns:r="http://schemas.openxmlformats.org/officeDocument/2006/relationships" xmlns:p="http://schemas.openxmlformats.org/presentationml/2006/main">
+  <p:cSld>
+    <p:spTree>
+      <p:nvGrpSpPr>
+        <p:cNvPr id="1" name=""/>
+        <p:cNvGrpSpPr/>
+        <p:nvPr/>
+      </p:nvGrpSpPr>
+      <p:grpSpPr>
+        <a:xfrm>
+          <a:off x="0" y="0"/>
+          <a:ext cx="0" cy="0"/>
+          <a:chOff x="0" y="0"/>
+          <a:chExt cx="0" cy="0"/>
+        </a:xfrm>
+      </p:grpSpPr>
+      <p:sp>
+        <p:nvSpPr>
+          <p:cNvPr id="2" name="Title 1">
+            <a:extLst>
+              <a:ext uri="{FF2B5EF4-FFF2-40B4-BE49-F238E27FC236}">
+                <a16:creationId xmlns:a16="http://schemas.microsoft.com/office/drawing/2014/main" id="{CF52C694-BFDD-0664-9EE4-C5E8314669FD}"/>
+              </a:ext>
+            </a:extLst>
+          </p:cNvPr>
+          <p:cNvSpPr>
+            <a:spLocks noGrp="1"/>
+          </p:cNvSpPr>
+          <p:nvPr>
+            <p:ph type="title"/>
+          </p:nvPr>
+        </p:nvSpPr>
+        <p:spPr/>
+        <p:txBody>
+          <a:bodyPr/>
+          <a:lstStyle/>
+          <a:p>
+            <a:r>
+              <a:rPr lang="en-US" dirty="0"/>
+              <a:t>Outline</a:t>
+            </a:r>
+          </a:p>
+        </p:txBody>
+      </p:sp>
+      <p:sp>
+        <p:nvSpPr>
+          <p:cNvPr id="3" name="Content Placeholder 2">
+            <a:extLst>
+              <a:ext uri="{FF2B5EF4-FFF2-40B4-BE49-F238E27FC236}">
+                <a16:creationId xmlns:a16="http://schemas.microsoft.com/office/drawing/2014/main" id="{312E721D-2CCE-868C-E176-49A3764D9F67}"/>
+              </a:ext>
+            </a:extLst>
+          </p:cNvPr>
+          <p:cNvSpPr>
+            <a:spLocks noGrp="1"/>
+          </p:cNvSpPr>
+          <p:nvPr>
+            <p:ph idx="1"/>
+          </p:nvPr>
+        </p:nvSpPr>
+        <p:spPr/>
+        <p:txBody>
+          <a:bodyPr/>
+          <a:lstStyle/>
+          <a:p>
+            <a:r>
+              <a:rPr lang="en-US" dirty="0"/>
+              <a:t>Topology Selection</a:t>
+            </a:r>
+          </a:p>
+          <a:p>
+            <a:r>
+              <a:rPr lang="en-US" dirty="0"/>
+              <a:t>Magnetic Design</a:t>
+            </a:r>
+          </a:p>
+          <a:p>
+            <a:r>
+              <a:rPr lang="en-US" dirty="0"/>
+              <a:t>Simulation &amp; Results</a:t>
+            </a:r>
+          </a:p>
+          <a:p>
+            <a:r>
+              <a:rPr lang="en-US" dirty="0"/>
+              <a:t>Component Selection</a:t>
+            </a:r>
+          </a:p>
+        </p:txBody>
+      </p:sp>
+      <p:sp>
+        <p:nvSpPr>
+          <p:cNvPr id="6" name="Footer Placeholder 5">
+            <a:extLst>
+              <a:ext uri="{FF2B5EF4-FFF2-40B4-BE49-F238E27FC236}">
+                <a16:creationId xmlns:a16="http://schemas.microsoft.com/office/drawing/2014/main" id="{F19CE937-5284-1259-ACAB-D548CD8FDA82}"/>
+              </a:ext>
+            </a:extLst>
+          </p:cNvPr>
+          <p:cNvSpPr>
+            <a:spLocks noGrp="1"/>
+          </p:cNvSpPr>
+          <p:nvPr>
+            <p:ph type="ftr" sz="quarter" idx="11"/>
+            <p:custDataLst>
+              <p:tags r:id="rId1"/>
+            </p:custDataLst>
+          </p:nvPr>
+        </p:nvSpPr>
+        <p:spPr/>
+        <p:txBody>
+          <a:bodyPr/>
+          <a:lstStyle/>
+          <a:p>
+            <a:r>
+              <a:rPr lang="en-US"/>
+              <a:t>GENEL(PUBLIC)</a:t>
+            </a:r>
+          </a:p>
+        </p:txBody>
+      </p:sp>
+    </p:spTree>
+    <p:extLst>
+      <p:ext uri="{BB962C8B-B14F-4D97-AF65-F5344CB8AC3E}">
+        <p14:creationId xmlns:p14="http://schemas.microsoft.com/office/powerpoint/2010/main" val="741993334"/>
+      </p:ext>
+    </p:extLst>
+  </p:cSld>
+  <p:clrMapOvr>
+    <a:masterClrMapping/>
+  </p:clrMapOvr>
+</p:sld>
+</file>
+
+<file path=ppt/slides/slide20.xml><?xml version="1.0" encoding="utf-8"?>
 <p:sld xmlns:a="http://schemas.openxmlformats.org/drawingml/2006/main" xmlns:r="http://schemas.openxmlformats.org/officeDocument/2006/relationships" xmlns:p="http://schemas.openxmlformats.org/presentationml/2006/main">
   <p:cSld>
     <p:spTree>
@@ -11271,142 +11563,7 @@
 </p:sld>
 </file>
 
-<file path=ppt/slides/slide2.xml><?xml version="1.0" encoding="utf-8"?>
-<p:sld xmlns:a="http://schemas.openxmlformats.org/drawingml/2006/main" xmlns:r="http://schemas.openxmlformats.org/officeDocument/2006/relationships" xmlns:p="http://schemas.openxmlformats.org/presentationml/2006/main">
-  <p:cSld>
-    <p:spTree>
-      <p:nvGrpSpPr>
-        <p:cNvPr id="1" name=""/>
-        <p:cNvGrpSpPr/>
-        <p:nvPr/>
-      </p:nvGrpSpPr>
-      <p:grpSpPr>
-        <a:xfrm>
-          <a:off x="0" y="0"/>
-          <a:ext cx="0" cy="0"/>
-          <a:chOff x="0" y="0"/>
-          <a:chExt cx="0" cy="0"/>
-        </a:xfrm>
-      </p:grpSpPr>
-      <p:sp>
-        <p:nvSpPr>
-          <p:cNvPr id="2" name="Title 1">
-            <a:extLst>
-              <a:ext uri="{FF2B5EF4-FFF2-40B4-BE49-F238E27FC236}">
-                <a16:creationId xmlns:a16="http://schemas.microsoft.com/office/drawing/2014/main" id="{CF52C694-BFDD-0664-9EE4-C5E8314669FD}"/>
-              </a:ext>
-            </a:extLst>
-          </p:cNvPr>
-          <p:cNvSpPr>
-            <a:spLocks noGrp="1"/>
-          </p:cNvSpPr>
-          <p:nvPr>
-            <p:ph type="title"/>
-          </p:nvPr>
-        </p:nvSpPr>
-        <p:spPr/>
-        <p:txBody>
-          <a:bodyPr/>
-          <a:lstStyle/>
-          <a:p>
-            <a:r>
-              <a:rPr lang="en-US" dirty="0"/>
-              <a:t>Outline</a:t>
-            </a:r>
-          </a:p>
-        </p:txBody>
-      </p:sp>
-      <p:sp>
-        <p:nvSpPr>
-          <p:cNvPr id="3" name="Content Placeholder 2">
-            <a:extLst>
-              <a:ext uri="{FF2B5EF4-FFF2-40B4-BE49-F238E27FC236}">
-                <a16:creationId xmlns:a16="http://schemas.microsoft.com/office/drawing/2014/main" id="{312E721D-2CCE-868C-E176-49A3764D9F67}"/>
-              </a:ext>
-            </a:extLst>
-          </p:cNvPr>
-          <p:cNvSpPr>
-            <a:spLocks noGrp="1"/>
-          </p:cNvSpPr>
-          <p:nvPr>
-            <p:ph idx="1"/>
-          </p:nvPr>
-        </p:nvSpPr>
-        <p:spPr/>
-        <p:txBody>
-          <a:bodyPr/>
-          <a:lstStyle/>
-          <a:p>
-            <a:r>
-              <a:rPr lang="en-US" dirty="0"/>
-              <a:t>Topology Selection</a:t>
-            </a:r>
-          </a:p>
-          <a:p>
-            <a:r>
-              <a:rPr lang="en-US" dirty="0"/>
-              <a:t>Magnetic Design</a:t>
-            </a:r>
-          </a:p>
-          <a:p>
-            <a:r>
-              <a:rPr lang="en-US" dirty="0"/>
-              <a:t>Simulation &amp; Results</a:t>
-            </a:r>
-          </a:p>
-          <a:p>
-            <a:r>
-              <a:rPr lang="en-US" dirty="0"/>
-              <a:t>Component Selection</a:t>
-            </a:r>
-          </a:p>
-        </p:txBody>
-      </p:sp>
-      <p:sp>
-        <p:nvSpPr>
-          <p:cNvPr id="6" name="Footer Placeholder 5">
-            <a:extLst>
-              <a:ext uri="{FF2B5EF4-FFF2-40B4-BE49-F238E27FC236}">
-                <a16:creationId xmlns:a16="http://schemas.microsoft.com/office/drawing/2014/main" id="{F19CE937-5284-1259-ACAB-D548CD8FDA82}"/>
-              </a:ext>
-            </a:extLst>
-          </p:cNvPr>
-          <p:cNvSpPr>
-            <a:spLocks noGrp="1"/>
-          </p:cNvSpPr>
-          <p:nvPr>
-            <p:ph type="ftr" sz="quarter" idx="11"/>
-            <p:custDataLst>
-              <p:tags r:id="rId1"/>
-            </p:custDataLst>
-          </p:nvPr>
-        </p:nvSpPr>
-        <p:spPr/>
-        <p:txBody>
-          <a:bodyPr/>
-          <a:lstStyle/>
-          <a:p>
-            <a:r>
-              <a:rPr lang="en-US"/>
-              <a:t>GENEL(PUBLIC)</a:t>
-            </a:r>
-          </a:p>
-        </p:txBody>
-      </p:sp>
-    </p:spTree>
-    <p:extLst>
-      <p:ext uri="{BB962C8B-B14F-4D97-AF65-F5344CB8AC3E}">
-        <p14:creationId xmlns:p14="http://schemas.microsoft.com/office/powerpoint/2010/main" val="741993334"/>
-      </p:ext>
-    </p:extLst>
-  </p:cSld>
-  <p:clrMapOvr>
-    <a:masterClrMapping/>
-  </p:clrMapOvr>
-</p:sld>
-</file>
-
-<file path=ppt/slides/slide20.xml><?xml version="1.0" encoding="utf-8"?>
+<file path=ppt/slides/slide21.xml><?xml version="1.0" encoding="utf-8"?>
 <p:sld xmlns:a="http://schemas.openxmlformats.org/drawingml/2006/main" xmlns:r="http://schemas.openxmlformats.org/officeDocument/2006/relationships" xmlns:p="http://schemas.openxmlformats.org/presentationml/2006/main">
   <p:cSld>
     <p:spTree>
@@ -12161,154 +12318,6 @@
 </p:sld>
 </file>
 
-<file path=ppt/slides/slide21.xml><?xml version="1.0" encoding="utf-8"?>
-<p:sld xmlns:a="http://schemas.openxmlformats.org/drawingml/2006/main" xmlns:r="http://schemas.openxmlformats.org/officeDocument/2006/relationships" xmlns:p="http://schemas.openxmlformats.org/presentationml/2006/main">
-  <p:cSld>
-    <p:spTree>
-      <p:nvGrpSpPr>
-        <p:cNvPr id="1" name=""/>
-        <p:cNvGrpSpPr/>
-        <p:nvPr/>
-      </p:nvGrpSpPr>
-      <p:grpSpPr>
-        <a:xfrm>
-          <a:off x="0" y="0"/>
-          <a:ext cx="0" cy="0"/>
-          <a:chOff x="0" y="0"/>
-          <a:chExt cx="0" cy="0"/>
-        </a:xfrm>
-      </p:grpSpPr>
-      <p:sp>
-        <p:nvSpPr>
-          <p:cNvPr id="2" name="Title 1">
-            <a:extLst>
-              <a:ext uri="{FF2B5EF4-FFF2-40B4-BE49-F238E27FC236}">
-                <a16:creationId xmlns:a16="http://schemas.microsoft.com/office/drawing/2014/main" id="{20D60974-B474-D7DA-3CD9-48BCF42B339F}"/>
-              </a:ext>
-            </a:extLst>
-          </p:cNvPr>
-          <p:cNvSpPr>
-            <a:spLocks noGrp="1"/>
-          </p:cNvSpPr>
-          <p:nvPr>
-            <p:ph type="title"/>
-          </p:nvPr>
-        </p:nvSpPr>
-        <p:spPr/>
-        <p:txBody>
-          <a:bodyPr/>
-          <a:lstStyle/>
-          <a:p>
-            <a:r>
-              <a:rPr lang="tr-TR" dirty="0" err="1"/>
-              <a:t>References</a:t>
-            </a:r>
-            <a:endParaRPr lang="en-US" dirty="0"/>
-          </a:p>
-        </p:txBody>
-      </p:sp>
-      <p:sp>
-        <p:nvSpPr>
-          <p:cNvPr id="3" name="Content Placeholder 2">
-            <a:extLst>
-              <a:ext uri="{FF2B5EF4-FFF2-40B4-BE49-F238E27FC236}">
-                <a16:creationId xmlns:a16="http://schemas.microsoft.com/office/drawing/2014/main" id="{81269589-F4FC-A4E2-EDFF-E6BCB5962FF4}"/>
-              </a:ext>
-            </a:extLst>
-          </p:cNvPr>
-          <p:cNvSpPr>
-            <a:spLocks noGrp="1"/>
-          </p:cNvSpPr>
-          <p:nvPr>
-            <p:ph idx="1"/>
-          </p:nvPr>
-        </p:nvSpPr>
-        <p:spPr>
-          <a:xfrm>
-            <a:off x="838199" y="1851025"/>
-            <a:ext cx="10913533" cy="4351338"/>
-          </a:xfrm>
-        </p:spPr>
-        <p:txBody>
-          <a:bodyPr>
-            <a:normAutofit/>
-          </a:bodyPr>
-          <a:lstStyle/>
-          <a:p>
-            <a:r>
-              <a:rPr lang="tr-TR" sz="1800" dirty="0"/>
-              <a:t>keysan.me</a:t>
-            </a:r>
-            <a:endParaRPr lang="en-US" sz="1800" dirty="0"/>
-          </a:p>
-          <a:p>
-            <a:r>
-              <a:rPr lang="en-US" sz="1800" dirty="0"/>
-              <a:t>“Design Guidelines for Off-line Flyback Converters Using Fairchild Power Switch (FPS)”,2003 [Online] Available: </a:t>
-            </a:r>
-            <a:r>
-              <a:rPr lang="en-US" sz="1800" dirty="0">
-                <a:hlinkClick r:id="rId4"/>
-              </a:rPr>
-              <a:t>https://www.all-electronics.de/wp-content/uploads/migrated/document/167525/46fbe8c82a6.pdf</a:t>
-            </a:r>
-            <a:endParaRPr lang="en-US" sz="1800" dirty="0"/>
-          </a:p>
-          <a:p>
-            <a:r>
-              <a:rPr lang="en-US" sz="1800" dirty="0"/>
-              <a:t>“Predicting Temperature Rise of Ferrite Cored Transformers”[Online], Available: https://elnamagnetics.com/wp-content/uploads/library/TSC-Ferrite-International/Predicting_Temperature_Rise_of_Ferrite_Cored_Transformers.pdf</a:t>
-            </a:r>
-          </a:p>
-          <a:p>
-            <a:endParaRPr lang="en-US" sz="1800" dirty="0"/>
-          </a:p>
-        </p:txBody>
-      </p:sp>
-      <p:sp>
-        <p:nvSpPr>
-          <p:cNvPr id="6" name="Footer Placeholder 5">
-            <a:extLst>
-              <a:ext uri="{FF2B5EF4-FFF2-40B4-BE49-F238E27FC236}">
-                <a16:creationId xmlns:a16="http://schemas.microsoft.com/office/drawing/2014/main" id="{767DE491-46F4-ED3D-BCC3-485F4D569910}"/>
-              </a:ext>
-            </a:extLst>
-          </p:cNvPr>
-          <p:cNvSpPr>
-            <a:spLocks noGrp="1"/>
-          </p:cNvSpPr>
-          <p:nvPr>
-            <p:ph type="ftr" sz="quarter" idx="11"/>
-            <p:custDataLst>
-              <p:tags r:id="rId1"/>
-            </p:custDataLst>
-          </p:nvPr>
-        </p:nvSpPr>
-        <p:spPr/>
-        <p:txBody>
-          <a:bodyPr/>
-          <a:lstStyle/>
-          <a:p>
-            <a:r>
-              <a:rPr lang="en-US"/>
-              <a:t>GENEL(PUBLIC)</a:t>
-            </a:r>
-          </a:p>
-        </p:txBody>
-      </p:sp>
-    </p:spTree>
-    <p:extLst>
-      <p:ext uri="{BB962C8B-B14F-4D97-AF65-F5344CB8AC3E}">
-        <p14:creationId xmlns:p14="http://schemas.microsoft.com/office/powerpoint/2010/main" val="633724640"/>
-      </p:ext>
-    </p:extLst>
-  </p:cSld>
-  <p:clrMapOvr>
-    <a:masterClrMapping/>
-  </p:clrMapOvr>
-</p:sld>
-</file>
-
 <file path=ppt/slides/slide22.xml><?xml version="1.0" encoding="utf-8"?>
 <p:sld xmlns:a="http://schemas.openxmlformats.org/drawingml/2006/main" xmlns:r="http://schemas.openxmlformats.org/officeDocument/2006/relationships" xmlns:p="http://schemas.openxmlformats.org/presentationml/2006/main">
   <p:cSld>
@@ -12331,6 +12340,154 @@
           <p:cNvPr id="2" name="Title 1">
             <a:extLst>
               <a:ext uri="{FF2B5EF4-FFF2-40B4-BE49-F238E27FC236}">
+                <a16:creationId xmlns:a16="http://schemas.microsoft.com/office/drawing/2014/main" id="{20D60974-B474-D7DA-3CD9-48BCF42B339F}"/>
+              </a:ext>
+            </a:extLst>
+          </p:cNvPr>
+          <p:cNvSpPr>
+            <a:spLocks noGrp="1"/>
+          </p:cNvSpPr>
+          <p:nvPr>
+            <p:ph type="title"/>
+          </p:nvPr>
+        </p:nvSpPr>
+        <p:spPr/>
+        <p:txBody>
+          <a:bodyPr/>
+          <a:lstStyle/>
+          <a:p>
+            <a:r>
+              <a:rPr lang="tr-TR" dirty="0" err="1"/>
+              <a:t>References</a:t>
+            </a:r>
+            <a:endParaRPr lang="en-US" dirty="0"/>
+          </a:p>
+        </p:txBody>
+      </p:sp>
+      <p:sp>
+        <p:nvSpPr>
+          <p:cNvPr id="3" name="Content Placeholder 2">
+            <a:extLst>
+              <a:ext uri="{FF2B5EF4-FFF2-40B4-BE49-F238E27FC236}">
+                <a16:creationId xmlns:a16="http://schemas.microsoft.com/office/drawing/2014/main" id="{81269589-F4FC-A4E2-EDFF-E6BCB5962FF4}"/>
+              </a:ext>
+            </a:extLst>
+          </p:cNvPr>
+          <p:cNvSpPr>
+            <a:spLocks noGrp="1"/>
+          </p:cNvSpPr>
+          <p:nvPr>
+            <p:ph idx="1"/>
+          </p:nvPr>
+        </p:nvSpPr>
+        <p:spPr>
+          <a:xfrm>
+            <a:off x="838199" y="1851025"/>
+            <a:ext cx="10913533" cy="4351338"/>
+          </a:xfrm>
+        </p:spPr>
+        <p:txBody>
+          <a:bodyPr>
+            <a:normAutofit/>
+          </a:bodyPr>
+          <a:lstStyle/>
+          <a:p>
+            <a:r>
+              <a:rPr lang="tr-TR" sz="1800" dirty="0"/>
+              <a:t>keysan.me</a:t>
+            </a:r>
+            <a:endParaRPr lang="en-US" sz="1800" dirty="0"/>
+          </a:p>
+          <a:p>
+            <a:r>
+              <a:rPr lang="en-US" sz="1800" dirty="0"/>
+              <a:t>“Design Guidelines for Off-line Flyback Converters Using Fairchild Power Switch (FPS)”,2003 [Online] Available: </a:t>
+            </a:r>
+            <a:r>
+              <a:rPr lang="en-US" sz="1800" dirty="0">
+                <a:hlinkClick r:id="rId4"/>
+              </a:rPr>
+              <a:t>https://www.all-electronics.de/wp-content/uploads/migrated/document/167525/46fbe8c82a6.pdf</a:t>
+            </a:r>
+            <a:endParaRPr lang="en-US" sz="1800" dirty="0"/>
+          </a:p>
+          <a:p>
+            <a:r>
+              <a:rPr lang="en-US" sz="1800" dirty="0"/>
+              <a:t>“Predicting Temperature Rise of Ferrite Cored Transformers”[Online], Available: https://elnamagnetics.com/wp-content/uploads/library/TSC-Ferrite-International/Predicting_Temperature_Rise_of_Ferrite_Cored_Transformers.pdf</a:t>
+            </a:r>
+          </a:p>
+          <a:p>
+            <a:endParaRPr lang="en-US" sz="1800" dirty="0"/>
+          </a:p>
+        </p:txBody>
+      </p:sp>
+      <p:sp>
+        <p:nvSpPr>
+          <p:cNvPr id="6" name="Footer Placeholder 5">
+            <a:extLst>
+              <a:ext uri="{FF2B5EF4-FFF2-40B4-BE49-F238E27FC236}">
+                <a16:creationId xmlns:a16="http://schemas.microsoft.com/office/drawing/2014/main" id="{767DE491-46F4-ED3D-BCC3-485F4D569910}"/>
+              </a:ext>
+            </a:extLst>
+          </p:cNvPr>
+          <p:cNvSpPr>
+            <a:spLocks noGrp="1"/>
+          </p:cNvSpPr>
+          <p:nvPr>
+            <p:ph type="ftr" sz="quarter" idx="11"/>
+            <p:custDataLst>
+              <p:tags r:id="rId1"/>
+            </p:custDataLst>
+          </p:nvPr>
+        </p:nvSpPr>
+        <p:spPr/>
+        <p:txBody>
+          <a:bodyPr/>
+          <a:lstStyle/>
+          <a:p>
+            <a:r>
+              <a:rPr lang="en-US"/>
+              <a:t>GENEL(PUBLIC)</a:t>
+            </a:r>
+          </a:p>
+        </p:txBody>
+      </p:sp>
+    </p:spTree>
+    <p:extLst>
+      <p:ext uri="{BB962C8B-B14F-4D97-AF65-F5344CB8AC3E}">
+        <p14:creationId xmlns:p14="http://schemas.microsoft.com/office/powerpoint/2010/main" val="633724640"/>
+      </p:ext>
+    </p:extLst>
+  </p:cSld>
+  <p:clrMapOvr>
+    <a:masterClrMapping/>
+  </p:clrMapOvr>
+</p:sld>
+</file>
+
+<file path=ppt/slides/slide23.xml><?xml version="1.0" encoding="utf-8"?>
+<p:sld xmlns:a="http://schemas.openxmlformats.org/drawingml/2006/main" xmlns:r="http://schemas.openxmlformats.org/officeDocument/2006/relationships" xmlns:p="http://schemas.openxmlformats.org/presentationml/2006/main">
+  <p:cSld>
+    <p:spTree>
+      <p:nvGrpSpPr>
+        <p:cNvPr id="1" name=""/>
+        <p:cNvGrpSpPr/>
+        <p:nvPr/>
+      </p:nvGrpSpPr>
+      <p:grpSpPr>
+        <a:xfrm>
+          <a:off x="0" y="0"/>
+          <a:ext cx="0" cy="0"/>
+          <a:chOff x="0" y="0"/>
+          <a:chExt cx="0" cy="0"/>
+        </a:xfrm>
+      </p:grpSpPr>
+      <p:sp>
+        <p:nvSpPr>
+          <p:cNvPr id="2" name="Title 1">
+            <a:extLst>
+              <a:ext uri="{FF2B5EF4-FFF2-40B4-BE49-F238E27FC236}">
                 <a16:creationId xmlns:a16="http://schemas.microsoft.com/office/drawing/2014/main" id="{6BD527D2-451F-701F-5320-7233F2772FD2}"/>
               </a:ext>
             </a:extLst>
@@ -12420,7 +12577,7 @@
 </p:sld>
 </file>
 
-<file path=ppt/slides/slide23.xml><?xml version="1.0" encoding="utf-8"?>
+<file path=ppt/slides/slide24.xml><?xml version="1.0" encoding="utf-8"?>
 <p:sld xmlns:a="http://schemas.openxmlformats.org/drawingml/2006/main" xmlns:r="http://schemas.openxmlformats.org/officeDocument/2006/relationships" xmlns:p="http://schemas.openxmlformats.org/presentationml/2006/main">
   <p:cSld>
     <p:spTree>
